--- a/thesis/ukapp2/wqu_isc/sofware_design/Javabc02.pptx
+++ b/thesis/ukapp2/wqu_isc/sofware_design/Javabc02.pptx
@@ -15834,16 +15834,19 @@
               <a:buChar char="v"/>
             </a:pPr>
             <a:r>
-              <a:rPr lang="en-GB"/>
+              <a:rPr lang="en-GB" dirty="0"/>
               <a:t>  </a:t>
             </a:r>
             <a:r>
-              <a:rPr lang="en-GB">
+              <a:rPr lang="en-GB" dirty="0">
                 <a:hlinkClick r:id="rId7"/>
               </a:rPr>
               <a:t>Link to Group Padlet</a:t>
             </a:r>
-            <a:endParaRPr lang="en-GB" dirty="0"/>
+            <a:r>
+              <a:rPr lang="en-GB" dirty="0"/>
+              <a:t> (submit your exercises here)</a:t>
+            </a:r>
           </a:p>
           <a:p>
             <a:pPr>
@@ -20633,15 +20636,6 @@
 </file>
 
 <file path=customXml/item1.xml><?xml version="1.0" encoding="utf-8"?>
-<?mso-contentType ?>
-<FormTemplates xmlns="http://schemas.microsoft.com/sharepoint/v3/contenttype/forms">
-  <Display>DocumentLibraryForm</Display>
-  <Edit>DocumentLibraryForm</Edit>
-  <New>DocumentLibraryForm</New>
-</FormTemplates>
-</file>
-
-<file path=customXml/item2.xml><?xml version="1.0" encoding="utf-8"?>
 <ct:contentTypeSchema xmlns:ct="http://schemas.microsoft.com/office/2006/metadata/contentType" xmlns:ma="http://schemas.microsoft.com/office/2006/metadata/properties/metaAttributes" ct:_="" ma:_="" ma:contentTypeName="Document" ma:contentTypeID="0x010100062A1965C0ED8D4B93D90EC9097FB304" ma:contentTypeVersion="13" ma:contentTypeDescription="Create a new document." ma:contentTypeScope="" ma:versionID="ad8c00255a362f38b965062bb6973433">
   <xsd:schema xmlns:xsd="http://www.w3.org/2001/XMLSchema" xmlns:xs="http://www.w3.org/2001/XMLSchema" xmlns:p="http://schemas.microsoft.com/office/2006/metadata/properties" xmlns:ns3="cab83b3b-4db3-4a13-8dd4-e60be6d87cf5" xmlns:ns4="c2e86655-d7ed-4420-bc92-1b9547829f54" targetNamespace="http://schemas.microsoft.com/office/2006/metadata/properties" ma:root="true" ma:fieldsID="d47f86c9060cacabc5fb99b2dd628c7d" ns3:_="" ns4:_="">
     <xsd:import namespace="cab83b3b-4db3-4a13-8dd4-e60be6d87cf5"/>
@@ -20864,21 +20858,22 @@
 </ct:contentTypeSchema>
 </file>
 
-<file path=customXml/item3.xml><?xml version="1.0" encoding="utf-8"?>
+<file path=customXml/item2.xml><?xml version="1.0" encoding="utf-8"?>
 <p:properties xmlns:p="http://schemas.microsoft.com/office/2006/metadata/properties" xmlns:xsi="http://www.w3.org/2001/XMLSchema-instance" xmlns:pc="http://schemas.microsoft.com/office/infopath/2007/PartnerControls">
   <documentManagement/>
 </p:properties>
 </file>
 
-<file path=customXml/itemProps1.xml><?xml version="1.0" encoding="utf-8"?>
-<ds:datastoreItem xmlns:ds="http://schemas.openxmlformats.org/officeDocument/2006/customXml" ds:itemID="{07A05CC1-FF68-453F-AE9C-352B80151440}">
-  <ds:schemaRefs>
-    <ds:schemaRef ds:uri="http://schemas.microsoft.com/sharepoint/v3/contenttype/forms"/>
-  </ds:schemaRefs>
-</ds:datastoreItem>
+<file path=customXml/item3.xml><?xml version="1.0" encoding="utf-8"?>
+<?mso-contentType ?>
+<FormTemplates xmlns="http://schemas.microsoft.com/sharepoint/v3/contenttype/forms">
+  <Display>DocumentLibraryForm</Display>
+  <Edit>DocumentLibraryForm</Edit>
+  <New>DocumentLibraryForm</New>
+</FormTemplates>
 </file>
 
-<file path=customXml/itemProps2.xml><?xml version="1.0" encoding="utf-8"?>
+<file path=customXml/itemProps1.xml><?xml version="1.0" encoding="utf-8"?>
 <ds:datastoreItem xmlns:ds="http://schemas.openxmlformats.org/officeDocument/2006/customXml" ds:itemID="{03233C07-2685-44F7-9601-FF64EA49BA1B}">
   <ds:schemaRefs>
     <ds:schemaRef ds:uri="http://schemas.microsoft.com/office/2006/metadata/contentType"/>
@@ -20897,7 +20892,7 @@
 </ds:datastoreItem>
 </file>
 
-<file path=customXml/itemProps3.xml><?xml version="1.0" encoding="utf-8"?>
+<file path=customXml/itemProps2.xml><?xml version="1.0" encoding="utf-8"?>
 <ds:datastoreItem xmlns:ds="http://schemas.openxmlformats.org/officeDocument/2006/customXml" ds:itemID="{1B174DBE-1AD7-495B-B168-212A7EE723A6}">
   <ds:schemaRefs>
     <ds:schemaRef ds:uri="cab83b3b-4db3-4a13-8dd4-e60be6d87cf5"/>
@@ -20912,4 +20907,12 @@
     <ds:schemaRef ds:uri="c2e86655-d7ed-4420-bc92-1b9547829f54"/>
   </ds:schemaRefs>
 </ds:datastoreItem>
+</file>
+
+<file path=customXml/itemProps3.xml><?xml version="1.0" encoding="utf-8"?>
+<ds:datastoreItem xmlns:ds="http://schemas.openxmlformats.org/officeDocument/2006/customXml" ds:itemID="{07A05CC1-FF68-453F-AE9C-352B80151440}">
+  <ds:schemaRefs>
+    <ds:schemaRef ds:uri="http://schemas.microsoft.com/sharepoint/v3/contenttype/forms"/>
+  </ds:schemaRefs>
+</ds:datastoreItem>
 </file>
--- a/thesis/ukapp2/wqu_isc/sofware_design/Javabc02.pptx
+++ b/thesis/ukapp2/wqu_isc/sofware_design/Javabc02.pptx
@@ -31,31 +31,32 @@
     <p:sldId id="280" r:id="rId28"/>
     <p:sldId id="281" r:id="rId29"/>
     <p:sldId id="291" r:id="rId30"/>
-    <p:sldId id="290" r:id="rId31"/>
-    <p:sldId id="289" r:id="rId32"/>
-    <p:sldId id="296" r:id="rId33"/>
+    <p:sldId id="297" r:id="rId31"/>
+    <p:sldId id="290" r:id="rId32"/>
+    <p:sldId id="289" r:id="rId33"/>
+    <p:sldId id="296" r:id="rId34"/>
   </p:sldIdLst>
   <p:sldSz cx="9144000" cy="6858000" type="screen4x3"/>
   <p:notesSz cx="6858000" cy="9144000"/>
   <p:embeddedFontLst>
     <p:embeddedFont>
       <p:font typeface="Calibri" panose="020F0502020204030204" pitchFamily="34" charset="0"/>
-      <p:regular r:id="rId34"/>
-      <p:bold r:id="rId35"/>
-      <p:italic r:id="rId36"/>
-      <p:boldItalic r:id="rId37"/>
+      <p:regular r:id="rId35"/>
+      <p:bold r:id="rId36"/>
+      <p:italic r:id="rId37"/>
+      <p:boldItalic r:id="rId38"/>
     </p:embeddedFont>
     <p:embeddedFont>
       <p:font typeface="Calibri Light" panose="020F0302020204030204" pitchFamily="34" charset="0"/>
-      <p:regular r:id="rId38"/>
-      <p:italic r:id="rId39"/>
+      <p:regular r:id="rId39"/>
+      <p:italic r:id="rId40"/>
     </p:embeddedFont>
     <p:embeddedFont>
       <p:font typeface="Consolas" panose="020B0609020204030204" pitchFamily="49" charset="0"/>
-      <p:regular r:id="rId40"/>
-      <p:bold r:id="rId41"/>
-      <p:italic r:id="rId42"/>
-      <p:boldItalic r:id="rId43"/>
+      <p:regular r:id="rId41"/>
+      <p:bold r:id="rId42"/>
+      <p:italic r:id="rId43"/>
+      <p:boldItalic r:id="rId44"/>
     </p:embeddedFont>
   </p:embeddedFontLst>
   <p:defaultTextStyle>
@@ -387,7 +388,7 @@
           <a:p>
             <a:fld id="{CD13FC2D-BEDB-45BE-AF82-649A39BEFF71}" type="datetimeFigureOut">
               <a:rPr lang="en-GB" smtClean="0"/>
-              <a:t>20/10/2020</a:t>
+              <a:t>24/10/2020</a:t>
             </a:fld>
             <a:endParaRPr lang="en-GB"/>
           </a:p>
@@ -598,7 +599,7 @@
           <a:p>
             <a:fld id="{CD13FC2D-BEDB-45BE-AF82-649A39BEFF71}" type="datetimeFigureOut">
               <a:rPr lang="en-GB" smtClean="0"/>
-              <a:t>20/10/2020</a:t>
+              <a:t>24/10/2020</a:t>
             </a:fld>
             <a:endParaRPr lang="en-GB"/>
           </a:p>
@@ -857,7 +858,7 @@
           <a:p>
             <a:fld id="{CD13FC2D-BEDB-45BE-AF82-649A39BEFF71}" type="datetimeFigureOut">
               <a:rPr lang="en-GB" smtClean="0"/>
-              <a:t>20/10/2020</a:t>
+              <a:t>24/10/2020</a:t>
             </a:fld>
             <a:endParaRPr lang="en-GB"/>
           </a:p>
@@ -1030,7 +1031,7 @@
           <a:p>
             <a:fld id="{CD13FC2D-BEDB-45BE-AF82-649A39BEFF71}" type="datetimeFigureOut">
               <a:rPr lang="en-GB" smtClean="0"/>
-              <a:t>20/10/2020</a:t>
+              <a:t>24/10/2020</a:t>
             </a:fld>
             <a:endParaRPr lang="en-GB"/>
           </a:p>
@@ -1376,7 +1377,7 @@
           <a:p>
             <a:fld id="{CD13FC2D-BEDB-45BE-AF82-649A39BEFF71}" type="datetimeFigureOut">
               <a:rPr lang="en-GB" smtClean="0"/>
-              <a:t>20/10/2020</a:t>
+              <a:t>24/10/2020</a:t>
             </a:fld>
             <a:endParaRPr lang="en-GB"/>
           </a:p>
@@ -1654,7 +1655,7 @@
           <a:p>
             <a:fld id="{CD13FC2D-BEDB-45BE-AF82-649A39BEFF71}" type="datetimeFigureOut">
               <a:rPr lang="en-GB" smtClean="0"/>
-              <a:t>20/10/2020</a:t>
+              <a:t>24/10/2020</a:t>
             </a:fld>
             <a:endParaRPr lang="en-GB"/>
           </a:p>
@@ -2036,7 +2037,7 @@
           <a:p>
             <a:fld id="{CD13FC2D-BEDB-45BE-AF82-649A39BEFF71}" type="datetimeFigureOut">
               <a:rPr lang="en-GB" smtClean="0"/>
-              <a:t>20/10/2020</a:t>
+              <a:t>24/10/2020</a:t>
             </a:fld>
             <a:endParaRPr lang="en-GB"/>
           </a:p>
@@ -2157,7 +2158,7 @@
           <a:p>
             <a:fld id="{CD13FC2D-BEDB-45BE-AF82-649A39BEFF71}" type="datetimeFigureOut">
               <a:rPr lang="en-GB" smtClean="0"/>
-              <a:t>20/10/2020</a:t>
+              <a:t>24/10/2020</a:t>
             </a:fld>
             <a:endParaRPr lang="en-GB"/>
           </a:p>
@@ -2331,7 +2332,7 @@
           <a:p>
             <a:fld id="{CD13FC2D-BEDB-45BE-AF82-649A39BEFF71}" type="datetimeFigureOut">
               <a:rPr lang="en-GB" smtClean="0"/>
-              <a:t>20/10/2020</a:t>
+              <a:t>24/10/2020</a:t>
             </a:fld>
             <a:endParaRPr lang="en-GB"/>
           </a:p>
@@ -2688,7 +2689,7 @@
           <a:p>
             <a:fld id="{CD13FC2D-BEDB-45BE-AF82-649A39BEFF71}" type="datetimeFigureOut">
               <a:rPr lang="en-GB" smtClean="0"/>
-              <a:t>20/10/2020</a:t>
+              <a:t>24/10/2020</a:t>
             </a:fld>
             <a:endParaRPr lang="en-GB"/>
           </a:p>
@@ -3073,7 +3074,7 @@
           <a:p>
             <a:fld id="{CD13FC2D-BEDB-45BE-AF82-649A39BEFF71}" type="datetimeFigureOut">
               <a:rPr lang="en-GB" smtClean="0"/>
-              <a:t>20/10/2020</a:t>
+              <a:t>24/10/2020</a:t>
             </a:fld>
             <a:endParaRPr lang="en-GB"/>
           </a:p>
@@ -3363,7 +3364,7 @@
           <a:p>
             <a:fld id="{CD13FC2D-BEDB-45BE-AF82-649A39BEFF71}" type="datetimeFigureOut">
               <a:rPr lang="en-GB" smtClean="0"/>
-              <a:t>20/10/2020</a:t>
+              <a:t>24/10/2020</a:t>
             </a:fld>
             <a:endParaRPr lang="en-GB"/>
           </a:p>
@@ -5832,12 +5833,12 @@
         <p:spPr>
           <a:xfrm>
             <a:off x="822959" y="1845734"/>
-            <a:ext cx="5756949" cy="4023360"/>
+            <a:ext cx="6124596" cy="4023360"/>
           </a:xfrm>
         </p:spPr>
         <p:txBody>
           <a:bodyPr>
-            <a:normAutofit/>
+            <a:normAutofit fontScale="92500" lnSpcReduction="10000"/>
           </a:bodyPr>
           <a:lstStyle/>
           <a:p>
@@ -5857,7 +5858,87 @@
             </a:pPr>
             <a:r>
               <a:rPr lang="en-GB" sz="2400" dirty="0"/>
-              <a:t> string a = age&gt;21?”adult”:”under-age”;</a:t>
+              <a:t> String a = age&gt;20?”adult”:”under-age”;</a:t>
+            </a:r>
+          </a:p>
+          <a:p>
+            <a:pPr>
+              <a:buFont typeface="Wingdings" panose="05000000000000000000" pitchFamily="2" charset="2"/>
+              <a:buChar char="v"/>
+            </a:pPr>
+            <a:r>
+              <a:rPr lang="en-GB" sz="2400" dirty="0"/>
+              <a:t> ternary operator (expression) takes:</a:t>
+            </a:r>
+          </a:p>
+          <a:p>
+            <a:pPr lvl="1">
+              <a:buFont typeface="Wingdings" panose="05000000000000000000" pitchFamily="2" charset="2"/>
+              <a:buChar char="v"/>
+            </a:pPr>
+            <a:r>
+              <a:rPr lang="en-GB" sz="2200" dirty="0"/>
+              <a:t> condition</a:t>
+            </a:r>
+          </a:p>
+          <a:p>
+            <a:pPr lvl="1">
+              <a:buFont typeface="Wingdings" panose="05000000000000000000" pitchFamily="2" charset="2"/>
+              <a:buChar char="v"/>
+            </a:pPr>
+            <a:r>
+              <a:rPr lang="en-GB" sz="2200" dirty="0"/>
+              <a:t> true value</a:t>
+            </a:r>
+          </a:p>
+          <a:p>
+            <a:pPr lvl="1">
+              <a:buFont typeface="Wingdings" panose="05000000000000000000" pitchFamily="2" charset="2"/>
+              <a:buChar char="v"/>
+            </a:pPr>
+            <a:r>
+              <a:rPr lang="en-GB" sz="2200" dirty="0"/>
+              <a:t> false value</a:t>
+            </a:r>
+          </a:p>
+          <a:p>
+            <a:pPr lvl="1">
+              <a:buFont typeface="Wingdings" panose="05000000000000000000" pitchFamily="2" charset="2"/>
+              <a:buChar char="v"/>
+            </a:pPr>
+            <a:r>
+              <a:rPr lang="en-GB" sz="2200" dirty="0"/>
+              <a:t> The equivalent algorithm looks like this</a:t>
+            </a:r>
+          </a:p>
+          <a:p>
+            <a:pPr>
+              <a:buFont typeface="Wingdings" panose="05000000000000000000" pitchFamily="2" charset="2"/>
+              <a:buChar char="v"/>
+            </a:pPr>
+            <a:r>
+              <a:rPr lang="en-GB" sz="2400" dirty="0"/>
+              <a:t> The equivalent conditional-if statement is this</a:t>
+            </a:r>
+          </a:p>
+          <a:p>
+            <a:pPr lvl="1">
+              <a:buFont typeface="Wingdings" panose="05000000000000000000" pitchFamily="2" charset="2"/>
+              <a:buChar char="v"/>
+            </a:pPr>
+            <a:r>
+              <a:rPr lang="en-GB" sz="2200" dirty="0"/>
+              <a:t> String a;</a:t>
+            </a:r>
+          </a:p>
+          <a:p>
+            <a:pPr lvl="1">
+              <a:buFont typeface="Wingdings" panose="05000000000000000000" pitchFamily="2" charset="2"/>
+              <a:buChar char="v"/>
+            </a:pPr>
+            <a:r>
+              <a:rPr lang="en-GB" sz="2200" dirty="0"/>
+              <a:t> if (age&gt;20){a=“adult”;}else{a=“under-age”;}</a:t>
             </a:r>
           </a:p>
           <a:p>
@@ -5865,6 +5946,198 @@
           </a:p>
         </p:txBody>
       </p:sp>
+      <p:grpSp>
+        <p:nvGrpSpPr>
+          <p:cNvPr id="8" name="Group 7">
+            <a:extLst>
+              <a:ext uri="{FF2B5EF4-FFF2-40B4-BE49-F238E27FC236}">
+                <a16:creationId xmlns:a16="http://schemas.microsoft.com/office/drawing/2014/main" id="{5E8C0039-B863-44B3-81AD-4A77032702AC}"/>
+              </a:ext>
+            </a:extLst>
+          </p:cNvPr>
+          <p:cNvGrpSpPr/>
+          <p:nvPr/>
+        </p:nvGrpSpPr>
+        <p:grpSpPr>
+          <a:xfrm>
+            <a:off x="5577862" y="2674732"/>
+            <a:ext cx="3566138" cy="2564337"/>
+            <a:chOff x="5577862" y="2674732"/>
+            <a:chExt cx="3566138" cy="2564337"/>
+          </a:xfrm>
+        </p:grpSpPr>
+        <p:pic>
+          <p:nvPicPr>
+            <p:cNvPr id="4" name="Content Placeholder 5" descr="Diagram&#10;&#10;Description automatically generated">
+              <a:extLst>
+                <a:ext uri="{FF2B5EF4-FFF2-40B4-BE49-F238E27FC236}">
+                  <a16:creationId xmlns:a16="http://schemas.microsoft.com/office/drawing/2014/main" id="{F48C8405-E392-4E21-8471-3A6EA752D9E0}"/>
+                </a:ext>
+              </a:extLst>
+            </p:cNvPr>
+            <p:cNvPicPr>
+              <a:picLocks noChangeAspect="1"/>
+            </p:cNvPicPr>
+            <p:nvPr/>
+          </p:nvPicPr>
+          <p:blipFill>
+            <a:blip r:embed="rId2">
+              <a:extLst>
+                <a:ext uri="{28A0092B-C50C-407E-A947-70E740481C1C}">
+                  <a14:useLocalDpi xmlns:a14="http://schemas.microsoft.com/office/drawing/2010/main" val="0"/>
+                </a:ext>
+              </a:extLst>
+            </a:blip>
+            <a:stretch>
+              <a:fillRect/>
+            </a:stretch>
+          </p:blipFill>
+          <p:spPr>
+            <a:xfrm>
+              <a:off x="5577862" y="2674732"/>
+              <a:ext cx="3566138" cy="2564337"/>
+            </a:xfrm>
+            <a:prstGeom prst="rect">
+              <a:avLst/>
+            </a:prstGeom>
+          </p:spPr>
+        </p:pic>
+        <p:sp>
+          <p:nvSpPr>
+            <p:cNvPr id="5" name="TextBox 4">
+              <a:extLst>
+                <a:ext uri="{FF2B5EF4-FFF2-40B4-BE49-F238E27FC236}">
+                  <a16:creationId xmlns:a16="http://schemas.microsoft.com/office/drawing/2014/main" id="{EDF88EDE-D6E4-4DDD-8958-8A207865B892}"/>
+                </a:ext>
+              </a:extLst>
+            </p:cNvPr>
+            <p:cNvSpPr txBox="1"/>
+            <p:nvPr/>
+          </p:nvSpPr>
+          <p:spPr>
+            <a:xfrm>
+              <a:off x="6970291" y="3363011"/>
+              <a:ext cx="716991" cy="307777"/>
+            </a:xfrm>
+            <a:prstGeom prst="rect">
+              <a:avLst/>
+            </a:prstGeom>
+            <a:noFill/>
+          </p:spPr>
+          <p:txBody>
+            <a:bodyPr wrap="none" rtlCol="0">
+              <a:spAutoFit/>
+            </a:bodyPr>
+            <a:lstStyle/>
+            <a:p>
+              <a:pPr algn="ctr"/>
+              <a:r>
+                <a:rPr lang="en-GB" sz="1400" b="1" dirty="0">
+                  <a:solidFill>
+                    <a:srgbClr val="FF0000"/>
+                  </a:solidFill>
+                </a:rPr>
+                <a:t>age&gt;20</a:t>
+              </a:r>
+              <a:endParaRPr lang="en-GB" sz="1600" b="1" dirty="0">
+                <a:solidFill>
+                  <a:srgbClr val="FF0000"/>
+                </a:solidFill>
+              </a:endParaRPr>
+            </a:p>
+          </p:txBody>
+        </p:sp>
+        <p:sp>
+          <p:nvSpPr>
+            <p:cNvPr id="6" name="TextBox 5">
+              <a:extLst>
+                <a:ext uri="{FF2B5EF4-FFF2-40B4-BE49-F238E27FC236}">
+                  <a16:creationId xmlns:a16="http://schemas.microsoft.com/office/drawing/2014/main" id="{FDDB4C41-8162-4DA3-AB42-6F36B90A61D8}"/>
+                </a:ext>
+              </a:extLst>
+            </p:cNvPr>
+            <p:cNvSpPr txBox="1"/>
+            <p:nvPr/>
+          </p:nvSpPr>
+          <p:spPr>
+            <a:xfrm>
+              <a:off x="5767318" y="3990513"/>
+              <a:ext cx="750526" cy="307777"/>
+            </a:xfrm>
+            <a:prstGeom prst="rect">
+              <a:avLst/>
+            </a:prstGeom>
+            <a:noFill/>
+          </p:spPr>
+          <p:txBody>
+            <a:bodyPr wrap="none" rtlCol="0">
+              <a:spAutoFit/>
+            </a:bodyPr>
+            <a:lstStyle/>
+            <a:p>
+              <a:pPr algn="ctr"/>
+              <a:r>
+                <a:rPr lang="en-GB" sz="1400" b="1" dirty="0">
+                  <a:solidFill>
+                    <a:srgbClr val="FF0000"/>
+                  </a:solidFill>
+                </a:rPr>
+                <a:t>a=adult</a:t>
+              </a:r>
+              <a:endParaRPr lang="en-GB" sz="1600" b="1" dirty="0">
+                <a:solidFill>
+                  <a:srgbClr val="FF0000"/>
+                </a:solidFill>
+              </a:endParaRPr>
+            </a:p>
+          </p:txBody>
+        </p:sp>
+        <p:sp>
+          <p:nvSpPr>
+            <p:cNvPr id="7" name="TextBox 6">
+              <a:extLst>
+                <a:ext uri="{FF2B5EF4-FFF2-40B4-BE49-F238E27FC236}">
+                  <a16:creationId xmlns:a16="http://schemas.microsoft.com/office/drawing/2014/main" id="{25E6BA59-38CB-4B69-85CF-1C30F3360811}"/>
+                </a:ext>
+              </a:extLst>
+            </p:cNvPr>
+            <p:cNvSpPr txBox="1"/>
+            <p:nvPr/>
+          </p:nvSpPr>
+          <p:spPr>
+            <a:xfrm>
+              <a:off x="7957888" y="3990513"/>
+              <a:ext cx="1120500" cy="307777"/>
+            </a:xfrm>
+            <a:prstGeom prst="rect">
+              <a:avLst/>
+            </a:prstGeom>
+            <a:noFill/>
+          </p:spPr>
+          <p:txBody>
+            <a:bodyPr wrap="none" rtlCol="0">
+              <a:spAutoFit/>
+            </a:bodyPr>
+            <a:lstStyle/>
+            <a:p>
+              <a:pPr algn="ctr"/>
+              <a:r>
+                <a:rPr lang="en-GB" sz="1400" b="1" dirty="0">
+                  <a:solidFill>
+                    <a:srgbClr val="FF0000"/>
+                  </a:solidFill>
+                </a:rPr>
+                <a:t>a=under-age</a:t>
+              </a:r>
+              <a:endParaRPr lang="en-GB" sz="1600" b="1" dirty="0">
+                <a:solidFill>
+                  <a:srgbClr val="FF0000"/>
+                </a:solidFill>
+              </a:endParaRPr>
+            </a:p>
+          </p:txBody>
+        </p:sp>
+      </p:grpSp>
     </p:spTree>
     <p:extLst>
       <p:ext uri="{BB962C8B-B14F-4D97-AF65-F5344CB8AC3E}">
@@ -5878,6 +6151,1049 @@
   <p:transition spd="slow">
     <p:push dir="u"/>
   </p:transition>
+  <p:timing>
+    <p:tnLst>
+      <p:par>
+        <p:cTn id="1" dur="indefinite" restart="never" nodeType="tmRoot">
+          <p:childTnLst>
+            <p:seq concurrent="1" nextAc="seek">
+              <p:cTn id="2" dur="indefinite" nodeType="mainSeq">
+                <p:childTnLst>
+                  <p:par>
+                    <p:cTn id="3" fill="hold">
+                      <p:stCondLst>
+                        <p:cond delay="indefinite"/>
+                      </p:stCondLst>
+                      <p:childTnLst>
+                        <p:par>
+                          <p:cTn id="4" fill="hold">
+                            <p:stCondLst>
+                              <p:cond delay="0"/>
+                            </p:stCondLst>
+                            <p:childTnLst>
+                              <p:par>
+                                <p:cTn id="5" presetID="2" presetClass="entr" presetSubtype="4" fill="hold" nodeType="clickEffect">
+                                  <p:stCondLst>
+                                    <p:cond delay="0"/>
+                                  </p:stCondLst>
+                                  <p:childTnLst>
+                                    <p:set>
+                                      <p:cBhvr>
+                                        <p:cTn id="6" dur="1" fill="hold">
+                                          <p:stCondLst>
+                                            <p:cond delay="0"/>
+                                          </p:stCondLst>
+                                        </p:cTn>
+                                        <p:tgtEl>
+                                          <p:spTgt spid="3">
+                                            <p:txEl>
+                                              <p:pRg st="0" end="0"/>
+                                            </p:txEl>
+                                          </p:spTgt>
+                                        </p:tgtEl>
+                                        <p:attrNameLst>
+                                          <p:attrName>style.visibility</p:attrName>
+                                        </p:attrNameLst>
+                                      </p:cBhvr>
+                                      <p:to>
+                                        <p:strVal val="visible"/>
+                                      </p:to>
+                                    </p:set>
+                                    <p:anim calcmode="lin" valueType="num">
+                                      <p:cBhvr additive="base">
+                                        <p:cTn id="7" dur="500" fill="hold"/>
+                                        <p:tgtEl>
+                                          <p:spTgt spid="3">
+                                            <p:txEl>
+                                              <p:pRg st="0" end="0"/>
+                                            </p:txEl>
+                                          </p:spTgt>
+                                        </p:tgtEl>
+                                        <p:attrNameLst>
+                                          <p:attrName>ppt_x</p:attrName>
+                                        </p:attrNameLst>
+                                      </p:cBhvr>
+                                      <p:tavLst>
+                                        <p:tav tm="0">
+                                          <p:val>
+                                            <p:strVal val="#ppt_x"/>
+                                          </p:val>
+                                        </p:tav>
+                                        <p:tav tm="100000">
+                                          <p:val>
+                                            <p:strVal val="#ppt_x"/>
+                                          </p:val>
+                                        </p:tav>
+                                      </p:tavLst>
+                                    </p:anim>
+                                    <p:anim calcmode="lin" valueType="num">
+                                      <p:cBhvr additive="base">
+                                        <p:cTn id="8" dur="500" fill="hold"/>
+                                        <p:tgtEl>
+                                          <p:spTgt spid="3">
+                                            <p:txEl>
+                                              <p:pRg st="0" end="0"/>
+                                            </p:txEl>
+                                          </p:spTgt>
+                                        </p:tgtEl>
+                                        <p:attrNameLst>
+                                          <p:attrName>ppt_y</p:attrName>
+                                        </p:attrNameLst>
+                                      </p:cBhvr>
+                                      <p:tavLst>
+                                        <p:tav tm="0">
+                                          <p:val>
+                                            <p:strVal val="1+#ppt_h/2"/>
+                                          </p:val>
+                                        </p:tav>
+                                        <p:tav tm="100000">
+                                          <p:val>
+                                            <p:strVal val="#ppt_y"/>
+                                          </p:val>
+                                        </p:tav>
+                                      </p:tavLst>
+                                    </p:anim>
+                                  </p:childTnLst>
+                                </p:cTn>
+                              </p:par>
+                            </p:childTnLst>
+                          </p:cTn>
+                        </p:par>
+                      </p:childTnLst>
+                    </p:cTn>
+                  </p:par>
+                  <p:par>
+                    <p:cTn id="9" fill="hold">
+                      <p:stCondLst>
+                        <p:cond delay="indefinite"/>
+                      </p:stCondLst>
+                      <p:childTnLst>
+                        <p:par>
+                          <p:cTn id="10" fill="hold">
+                            <p:stCondLst>
+                              <p:cond delay="0"/>
+                            </p:stCondLst>
+                            <p:childTnLst>
+                              <p:par>
+                                <p:cTn id="11" presetID="2" presetClass="entr" presetSubtype="4" fill="hold" nodeType="clickEffect">
+                                  <p:stCondLst>
+                                    <p:cond delay="0"/>
+                                  </p:stCondLst>
+                                  <p:childTnLst>
+                                    <p:set>
+                                      <p:cBhvr>
+                                        <p:cTn id="12" dur="1" fill="hold">
+                                          <p:stCondLst>
+                                            <p:cond delay="0"/>
+                                          </p:stCondLst>
+                                        </p:cTn>
+                                        <p:tgtEl>
+                                          <p:spTgt spid="3">
+                                            <p:txEl>
+                                              <p:pRg st="1" end="1"/>
+                                            </p:txEl>
+                                          </p:spTgt>
+                                        </p:tgtEl>
+                                        <p:attrNameLst>
+                                          <p:attrName>style.visibility</p:attrName>
+                                        </p:attrNameLst>
+                                      </p:cBhvr>
+                                      <p:to>
+                                        <p:strVal val="visible"/>
+                                      </p:to>
+                                    </p:set>
+                                    <p:anim calcmode="lin" valueType="num">
+                                      <p:cBhvr additive="base">
+                                        <p:cTn id="13" dur="500" fill="hold"/>
+                                        <p:tgtEl>
+                                          <p:spTgt spid="3">
+                                            <p:txEl>
+                                              <p:pRg st="1" end="1"/>
+                                            </p:txEl>
+                                          </p:spTgt>
+                                        </p:tgtEl>
+                                        <p:attrNameLst>
+                                          <p:attrName>ppt_x</p:attrName>
+                                        </p:attrNameLst>
+                                      </p:cBhvr>
+                                      <p:tavLst>
+                                        <p:tav tm="0">
+                                          <p:val>
+                                            <p:strVal val="#ppt_x"/>
+                                          </p:val>
+                                        </p:tav>
+                                        <p:tav tm="100000">
+                                          <p:val>
+                                            <p:strVal val="#ppt_x"/>
+                                          </p:val>
+                                        </p:tav>
+                                      </p:tavLst>
+                                    </p:anim>
+                                    <p:anim calcmode="lin" valueType="num">
+                                      <p:cBhvr additive="base">
+                                        <p:cTn id="14" dur="500" fill="hold"/>
+                                        <p:tgtEl>
+                                          <p:spTgt spid="3">
+                                            <p:txEl>
+                                              <p:pRg st="1" end="1"/>
+                                            </p:txEl>
+                                          </p:spTgt>
+                                        </p:tgtEl>
+                                        <p:attrNameLst>
+                                          <p:attrName>ppt_y</p:attrName>
+                                        </p:attrNameLst>
+                                      </p:cBhvr>
+                                      <p:tavLst>
+                                        <p:tav tm="0">
+                                          <p:val>
+                                            <p:strVal val="1+#ppt_h/2"/>
+                                          </p:val>
+                                        </p:tav>
+                                        <p:tav tm="100000">
+                                          <p:val>
+                                            <p:strVal val="#ppt_y"/>
+                                          </p:val>
+                                        </p:tav>
+                                      </p:tavLst>
+                                    </p:anim>
+                                  </p:childTnLst>
+                                </p:cTn>
+                              </p:par>
+                            </p:childTnLst>
+                          </p:cTn>
+                        </p:par>
+                      </p:childTnLst>
+                    </p:cTn>
+                  </p:par>
+                  <p:par>
+                    <p:cTn id="15" fill="hold">
+                      <p:stCondLst>
+                        <p:cond delay="indefinite"/>
+                      </p:stCondLst>
+                      <p:childTnLst>
+                        <p:par>
+                          <p:cTn id="16" fill="hold">
+                            <p:stCondLst>
+                              <p:cond delay="0"/>
+                            </p:stCondLst>
+                            <p:childTnLst>
+                              <p:par>
+                                <p:cTn id="17" presetID="2" presetClass="entr" presetSubtype="4" fill="hold" nodeType="clickEffect">
+                                  <p:stCondLst>
+                                    <p:cond delay="0"/>
+                                  </p:stCondLst>
+                                  <p:childTnLst>
+                                    <p:set>
+                                      <p:cBhvr>
+                                        <p:cTn id="18" dur="1" fill="hold">
+                                          <p:stCondLst>
+                                            <p:cond delay="0"/>
+                                          </p:stCondLst>
+                                        </p:cTn>
+                                        <p:tgtEl>
+                                          <p:spTgt spid="3">
+                                            <p:txEl>
+                                              <p:pRg st="2" end="2"/>
+                                            </p:txEl>
+                                          </p:spTgt>
+                                        </p:tgtEl>
+                                        <p:attrNameLst>
+                                          <p:attrName>style.visibility</p:attrName>
+                                        </p:attrNameLst>
+                                      </p:cBhvr>
+                                      <p:to>
+                                        <p:strVal val="visible"/>
+                                      </p:to>
+                                    </p:set>
+                                    <p:anim calcmode="lin" valueType="num">
+                                      <p:cBhvr additive="base">
+                                        <p:cTn id="19" dur="500" fill="hold"/>
+                                        <p:tgtEl>
+                                          <p:spTgt spid="3">
+                                            <p:txEl>
+                                              <p:pRg st="2" end="2"/>
+                                            </p:txEl>
+                                          </p:spTgt>
+                                        </p:tgtEl>
+                                        <p:attrNameLst>
+                                          <p:attrName>ppt_x</p:attrName>
+                                        </p:attrNameLst>
+                                      </p:cBhvr>
+                                      <p:tavLst>
+                                        <p:tav tm="0">
+                                          <p:val>
+                                            <p:strVal val="#ppt_x"/>
+                                          </p:val>
+                                        </p:tav>
+                                        <p:tav tm="100000">
+                                          <p:val>
+                                            <p:strVal val="#ppt_x"/>
+                                          </p:val>
+                                        </p:tav>
+                                      </p:tavLst>
+                                    </p:anim>
+                                    <p:anim calcmode="lin" valueType="num">
+                                      <p:cBhvr additive="base">
+                                        <p:cTn id="20" dur="500" fill="hold"/>
+                                        <p:tgtEl>
+                                          <p:spTgt spid="3">
+                                            <p:txEl>
+                                              <p:pRg st="2" end="2"/>
+                                            </p:txEl>
+                                          </p:spTgt>
+                                        </p:tgtEl>
+                                        <p:attrNameLst>
+                                          <p:attrName>ppt_y</p:attrName>
+                                        </p:attrNameLst>
+                                      </p:cBhvr>
+                                      <p:tavLst>
+                                        <p:tav tm="0">
+                                          <p:val>
+                                            <p:strVal val="1+#ppt_h/2"/>
+                                          </p:val>
+                                        </p:tav>
+                                        <p:tav tm="100000">
+                                          <p:val>
+                                            <p:strVal val="#ppt_y"/>
+                                          </p:val>
+                                        </p:tav>
+                                      </p:tavLst>
+                                    </p:anim>
+                                  </p:childTnLst>
+                                </p:cTn>
+                              </p:par>
+                              <p:par>
+                                <p:cTn id="21" presetID="2" presetClass="entr" presetSubtype="4" fill="hold" nodeType="withEffect">
+                                  <p:stCondLst>
+                                    <p:cond delay="0"/>
+                                  </p:stCondLst>
+                                  <p:childTnLst>
+                                    <p:set>
+                                      <p:cBhvr>
+                                        <p:cTn id="22" dur="1" fill="hold">
+                                          <p:stCondLst>
+                                            <p:cond delay="0"/>
+                                          </p:stCondLst>
+                                        </p:cTn>
+                                        <p:tgtEl>
+                                          <p:spTgt spid="3">
+                                            <p:txEl>
+                                              <p:pRg st="3" end="3"/>
+                                            </p:txEl>
+                                          </p:spTgt>
+                                        </p:tgtEl>
+                                        <p:attrNameLst>
+                                          <p:attrName>style.visibility</p:attrName>
+                                        </p:attrNameLst>
+                                      </p:cBhvr>
+                                      <p:to>
+                                        <p:strVal val="visible"/>
+                                      </p:to>
+                                    </p:set>
+                                    <p:anim calcmode="lin" valueType="num">
+                                      <p:cBhvr additive="base">
+                                        <p:cTn id="23" dur="500" fill="hold"/>
+                                        <p:tgtEl>
+                                          <p:spTgt spid="3">
+                                            <p:txEl>
+                                              <p:pRg st="3" end="3"/>
+                                            </p:txEl>
+                                          </p:spTgt>
+                                        </p:tgtEl>
+                                        <p:attrNameLst>
+                                          <p:attrName>ppt_x</p:attrName>
+                                        </p:attrNameLst>
+                                      </p:cBhvr>
+                                      <p:tavLst>
+                                        <p:tav tm="0">
+                                          <p:val>
+                                            <p:strVal val="#ppt_x"/>
+                                          </p:val>
+                                        </p:tav>
+                                        <p:tav tm="100000">
+                                          <p:val>
+                                            <p:strVal val="#ppt_x"/>
+                                          </p:val>
+                                        </p:tav>
+                                      </p:tavLst>
+                                    </p:anim>
+                                    <p:anim calcmode="lin" valueType="num">
+                                      <p:cBhvr additive="base">
+                                        <p:cTn id="24" dur="500" fill="hold"/>
+                                        <p:tgtEl>
+                                          <p:spTgt spid="3">
+                                            <p:txEl>
+                                              <p:pRg st="3" end="3"/>
+                                            </p:txEl>
+                                          </p:spTgt>
+                                        </p:tgtEl>
+                                        <p:attrNameLst>
+                                          <p:attrName>ppt_y</p:attrName>
+                                        </p:attrNameLst>
+                                      </p:cBhvr>
+                                      <p:tavLst>
+                                        <p:tav tm="0">
+                                          <p:val>
+                                            <p:strVal val="1+#ppt_h/2"/>
+                                          </p:val>
+                                        </p:tav>
+                                        <p:tav tm="100000">
+                                          <p:val>
+                                            <p:strVal val="#ppt_y"/>
+                                          </p:val>
+                                        </p:tav>
+                                      </p:tavLst>
+                                    </p:anim>
+                                  </p:childTnLst>
+                                </p:cTn>
+                              </p:par>
+                              <p:par>
+                                <p:cTn id="25" presetID="2" presetClass="entr" presetSubtype="4" fill="hold" nodeType="withEffect">
+                                  <p:stCondLst>
+                                    <p:cond delay="0"/>
+                                  </p:stCondLst>
+                                  <p:childTnLst>
+                                    <p:set>
+                                      <p:cBhvr>
+                                        <p:cTn id="26" dur="1" fill="hold">
+                                          <p:stCondLst>
+                                            <p:cond delay="0"/>
+                                          </p:stCondLst>
+                                        </p:cTn>
+                                        <p:tgtEl>
+                                          <p:spTgt spid="3">
+                                            <p:txEl>
+                                              <p:pRg st="4" end="4"/>
+                                            </p:txEl>
+                                          </p:spTgt>
+                                        </p:tgtEl>
+                                        <p:attrNameLst>
+                                          <p:attrName>style.visibility</p:attrName>
+                                        </p:attrNameLst>
+                                      </p:cBhvr>
+                                      <p:to>
+                                        <p:strVal val="visible"/>
+                                      </p:to>
+                                    </p:set>
+                                    <p:anim calcmode="lin" valueType="num">
+                                      <p:cBhvr additive="base">
+                                        <p:cTn id="27" dur="500" fill="hold"/>
+                                        <p:tgtEl>
+                                          <p:spTgt spid="3">
+                                            <p:txEl>
+                                              <p:pRg st="4" end="4"/>
+                                            </p:txEl>
+                                          </p:spTgt>
+                                        </p:tgtEl>
+                                        <p:attrNameLst>
+                                          <p:attrName>ppt_x</p:attrName>
+                                        </p:attrNameLst>
+                                      </p:cBhvr>
+                                      <p:tavLst>
+                                        <p:tav tm="0">
+                                          <p:val>
+                                            <p:strVal val="#ppt_x"/>
+                                          </p:val>
+                                        </p:tav>
+                                        <p:tav tm="100000">
+                                          <p:val>
+                                            <p:strVal val="#ppt_x"/>
+                                          </p:val>
+                                        </p:tav>
+                                      </p:tavLst>
+                                    </p:anim>
+                                    <p:anim calcmode="lin" valueType="num">
+                                      <p:cBhvr additive="base">
+                                        <p:cTn id="28" dur="500" fill="hold"/>
+                                        <p:tgtEl>
+                                          <p:spTgt spid="3">
+                                            <p:txEl>
+                                              <p:pRg st="4" end="4"/>
+                                            </p:txEl>
+                                          </p:spTgt>
+                                        </p:tgtEl>
+                                        <p:attrNameLst>
+                                          <p:attrName>ppt_y</p:attrName>
+                                        </p:attrNameLst>
+                                      </p:cBhvr>
+                                      <p:tavLst>
+                                        <p:tav tm="0">
+                                          <p:val>
+                                            <p:strVal val="1+#ppt_h/2"/>
+                                          </p:val>
+                                        </p:tav>
+                                        <p:tav tm="100000">
+                                          <p:val>
+                                            <p:strVal val="#ppt_y"/>
+                                          </p:val>
+                                        </p:tav>
+                                      </p:tavLst>
+                                    </p:anim>
+                                  </p:childTnLst>
+                                </p:cTn>
+                              </p:par>
+                              <p:par>
+                                <p:cTn id="29" presetID="2" presetClass="entr" presetSubtype="4" fill="hold" nodeType="withEffect">
+                                  <p:stCondLst>
+                                    <p:cond delay="0"/>
+                                  </p:stCondLst>
+                                  <p:childTnLst>
+                                    <p:set>
+                                      <p:cBhvr>
+                                        <p:cTn id="30" dur="1" fill="hold">
+                                          <p:stCondLst>
+                                            <p:cond delay="0"/>
+                                          </p:stCondLst>
+                                        </p:cTn>
+                                        <p:tgtEl>
+                                          <p:spTgt spid="3">
+                                            <p:txEl>
+                                              <p:pRg st="5" end="5"/>
+                                            </p:txEl>
+                                          </p:spTgt>
+                                        </p:tgtEl>
+                                        <p:attrNameLst>
+                                          <p:attrName>style.visibility</p:attrName>
+                                        </p:attrNameLst>
+                                      </p:cBhvr>
+                                      <p:to>
+                                        <p:strVal val="visible"/>
+                                      </p:to>
+                                    </p:set>
+                                    <p:anim calcmode="lin" valueType="num">
+                                      <p:cBhvr additive="base">
+                                        <p:cTn id="31" dur="500" fill="hold"/>
+                                        <p:tgtEl>
+                                          <p:spTgt spid="3">
+                                            <p:txEl>
+                                              <p:pRg st="5" end="5"/>
+                                            </p:txEl>
+                                          </p:spTgt>
+                                        </p:tgtEl>
+                                        <p:attrNameLst>
+                                          <p:attrName>ppt_x</p:attrName>
+                                        </p:attrNameLst>
+                                      </p:cBhvr>
+                                      <p:tavLst>
+                                        <p:tav tm="0">
+                                          <p:val>
+                                            <p:strVal val="#ppt_x"/>
+                                          </p:val>
+                                        </p:tav>
+                                        <p:tav tm="100000">
+                                          <p:val>
+                                            <p:strVal val="#ppt_x"/>
+                                          </p:val>
+                                        </p:tav>
+                                      </p:tavLst>
+                                    </p:anim>
+                                    <p:anim calcmode="lin" valueType="num">
+                                      <p:cBhvr additive="base">
+                                        <p:cTn id="32" dur="500" fill="hold"/>
+                                        <p:tgtEl>
+                                          <p:spTgt spid="3">
+                                            <p:txEl>
+                                              <p:pRg st="5" end="5"/>
+                                            </p:txEl>
+                                          </p:spTgt>
+                                        </p:tgtEl>
+                                        <p:attrNameLst>
+                                          <p:attrName>ppt_y</p:attrName>
+                                        </p:attrNameLst>
+                                      </p:cBhvr>
+                                      <p:tavLst>
+                                        <p:tav tm="0">
+                                          <p:val>
+                                            <p:strVal val="1+#ppt_h/2"/>
+                                          </p:val>
+                                        </p:tav>
+                                        <p:tav tm="100000">
+                                          <p:val>
+                                            <p:strVal val="#ppt_y"/>
+                                          </p:val>
+                                        </p:tav>
+                                      </p:tavLst>
+                                    </p:anim>
+                                  </p:childTnLst>
+                                </p:cTn>
+                              </p:par>
+                              <p:par>
+                                <p:cTn id="33" presetID="2" presetClass="entr" presetSubtype="4" fill="hold" nodeType="withEffect">
+                                  <p:stCondLst>
+                                    <p:cond delay="0"/>
+                                  </p:stCondLst>
+                                  <p:childTnLst>
+                                    <p:set>
+                                      <p:cBhvr>
+                                        <p:cTn id="34" dur="1" fill="hold">
+                                          <p:stCondLst>
+                                            <p:cond delay="0"/>
+                                          </p:stCondLst>
+                                        </p:cTn>
+                                        <p:tgtEl>
+                                          <p:spTgt spid="3">
+                                            <p:txEl>
+                                              <p:pRg st="6" end="6"/>
+                                            </p:txEl>
+                                          </p:spTgt>
+                                        </p:tgtEl>
+                                        <p:attrNameLst>
+                                          <p:attrName>style.visibility</p:attrName>
+                                        </p:attrNameLst>
+                                      </p:cBhvr>
+                                      <p:to>
+                                        <p:strVal val="visible"/>
+                                      </p:to>
+                                    </p:set>
+                                    <p:anim calcmode="lin" valueType="num">
+                                      <p:cBhvr additive="base">
+                                        <p:cTn id="35" dur="500" fill="hold"/>
+                                        <p:tgtEl>
+                                          <p:spTgt spid="3">
+                                            <p:txEl>
+                                              <p:pRg st="6" end="6"/>
+                                            </p:txEl>
+                                          </p:spTgt>
+                                        </p:tgtEl>
+                                        <p:attrNameLst>
+                                          <p:attrName>ppt_x</p:attrName>
+                                        </p:attrNameLst>
+                                      </p:cBhvr>
+                                      <p:tavLst>
+                                        <p:tav tm="0">
+                                          <p:val>
+                                            <p:strVal val="#ppt_x"/>
+                                          </p:val>
+                                        </p:tav>
+                                        <p:tav tm="100000">
+                                          <p:val>
+                                            <p:strVal val="#ppt_x"/>
+                                          </p:val>
+                                        </p:tav>
+                                      </p:tavLst>
+                                    </p:anim>
+                                    <p:anim calcmode="lin" valueType="num">
+                                      <p:cBhvr additive="base">
+                                        <p:cTn id="36" dur="500" fill="hold"/>
+                                        <p:tgtEl>
+                                          <p:spTgt spid="3">
+                                            <p:txEl>
+                                              <p:pRg st="6" end="6"/>
+                                            </p:txEl>
+                                          </p:spTgt>
+                                        </p:tgtEl>
+                                        <p:attrNameLst>
+                                          <p:attrName>ppt_y</p:attrName>
+                                        </p:attrNameLst>
+                                      </p:cBhvr>
+                                      <p:tavLst>
+                                        <p:tav tm="0">
+                                          <p:val>
+                                            <p:strVal val="1+#ppt_h/2"/>
+                                          </p:val>
+                                        </p:tav>
+                                        <p:tav tm="100000">
+                                          <p:val>
+                                            <p:strVal val="#ppt_y"/>
+                                          </p:val>
+                                        </p:tav>
+                                      </p:tavLst>
+                                    </p:anim>
+                                  </p:childTnLst>
+                                </p:cTn>
+                              </p:par>
+                            </p:childTnLst>
+                          </p:cTn>
+                        </p:par>
+                      </p:childTnLst>
+                    </p:cTn>
+                  </p:par>
+                  <p:par>
+                    <p:cTn id="37" fill="hold">
+                      <p:stCondLst>
+                        <p:cond delay="indefinite"/>
+                      </p:stCondLst>
+                      <p:childTnLst>
+                        <p:par>
+                          <p:cTn id="38" fill="hold">
+                            <p:stCondLst>
+                              <p:cond delay="0"/>
+                            </p:stCondLst>
+                            <p:childTnLst>
+                              <p:par>
+                                <p:cTn id="39" presetID="2" presetClass="entr" presetSubtype="4" fill="hold" nodeType="clickEffect">
+                                  <p:stCondLst>
+                                    <p:cond delay="0"/>
+                                  </p:stCondLst>
+                                  <p:childTnLst>
+                                    <p:set>
+                                      <p:cBhvr>
+                                        <p:cTn id="40" dur="1" fill="hold">
+                                          <p:stCondLst>
+                                            <p:cond delay="0"/>
+                                          </p:stCondLst>
+                                        </p:cTn>
+                                        <p:tgtEl>
+                                          <p:spTgt spid="8"/>
+                                        </p:tgtEl>
+                                        <p:attrNameLst>
+                                          <p:attrName>style.visibility</p:attrName>
+                                        </p:attrNameLst>
+                                      </p:cBhvr>
+                                      <p:to>
+                                        <p:strVal val="visible"/>
+                                      </p:to>
+                                    </p:set>
+                                    <p:anim calcmode="lin" valueType="num">
+                                      <p:cBhvr additive="base">
+                                        <p:cTn id="41" dur="500" fill="hold"/>
+                                        <p:tgtEl>
+                                          <p:spTgt spid="8"/>
+                                        </p:tgtEl>
+                                        <p:attrNameLst>
+                                          <p:attrName>ppt_x</p:attrName>
+                                        </p:attrNameLst>
+                                      </p:cBhvr>
+                                      <p:tavLst>
+                                        <p:tav tm="0">
+                                          <p:val>
+                                            <p:strVal val="#ppt_x"/>
+                                          </p:val>
+                                        </p:tav>
+                                        <p:tav tm="100000">
+                                          <p:val>
+                                            <p:strVal val="#ppt_x"/>
+                                          </p:val>
+                                        </p:tav>
+                                      </p:tavLst>
+                                    </p:anim>
+                                    <p:anim calcmode="lin" valueType="num">
+                                      <p:cBhvr additive="base">
+                                        <p:cTn id="42" dur="500" fill="hold"/>
+                                        <p:tgtEl>
+                                          <p:spTgt spid="8"/>
+                                        </p:tgtEl>
+                                        <p:attrNameLst>
+                                          <p:attrName>ppt_y</p:attrName>
+                                        </p:attrNameLst>
+                                      </p:cBhvr>
+                                      <p:tavLst>
+                                        <p:tav tm="0">
+                                          <p:val>
+                                            <p:strVal val="1+#ppt_h/2"/>
+                                          </p:val>
+                                        </p:tav>
+                                        <p:tav tm="100000">
+                                          <p:val>
+                                            <p:strVal val="#ppt_y"/>
+                                          </p:val>
+                                        </p:tav>
+                                      </p:tavLst>
+                                    </p:anim>
+                                  </p:childTnLst>
+                                </p:cTn>
+                              </p:par>
+                            </p:childTnLst>
+                          </p:cTn>
+                        </p:par>
+                      </p:childTnLst>
+                    </p:cTn>
+                  </p:par>
+                  <p:par>
+                    <p:cTn id="43" fill="hold">
+                      <p:stCondLst>
+                        <p:cond delay="indefinite"/>
+                      </p:stCondLst>
+                      <p:childTnLst>
+                        <p:par>
+                          <p:cTn id="44" fill="hold">
+                            <p:stCondLst>
+                              <p:cond delay="0"/>
+                            </p:stCondLst>
+                            <p:childTnLst>
+                              <p:par>
+                                <p:cTn id="45" presetID="2" presetClass="entr" presetSubtype="4" fill="hold" nodeType="clickEffect">
+                                  <p:stCondLst>
+                                    <p:cond delay="0"/>
+                                  </p:stCondLst>
+                                  <p:childTnLst>
+                                    <p:set>
+                                      <p:cBhvr>
+                                        <p:cTn id="46" dur="1" fill="hold">
+                                          <p:stCondLst>
+                                            <p:cond delay="0"/>
+                                          </p:stCondLst>
+                                        </p:cTn>
+                                        <p:tgtEl>
+                                          <p:spTgt spid="3">
+                                            <p:txEl>
+                                              <p:pRg st="7" end="7"/>
+                                            </p:txEl>
+                                          </p:spTgt>
+                                        </p:tgtEl>
+                                        <p:attrNameLst>
+                                          <p:attrName>style.visibility</p:attrName>
+                                        </p:attrNameLst>
+                                      </p:cBhvr>
+                                      <p:to>
+                                        <p:strVal val="visible"/>
+                                      </p:to>
+                                    </p:set>
+                                    <p:anim calcmode="lin" valueType="num">
+                                      <p:cBhvr additive="base">
+                                        <p:cTn id="47" dur="500" fill="hold"/>
+                                        <p:tgtEl>
+                                          <p:spTgt spid="3">
+                                            <p:txEl>
+                                              <p:pRg st="7" end="7"/>
+                                            </p:txEl>
+                                          </p:spTgt>
+                                        </p:tgtEl>
+                                        <p:attrNameLst>
+                                          <p:attrName>ppt_x</p:attrName>
+                                        </p:attrNameLst>
+                                      </p:cBhvr>
+                                      <p:tavLst>
+                                        <p:tav tm="0">
+                                          <p:val>
+                                            <p:strVal val="#ppt_x"/>
+                                          </p:val>
+                                        </p:tav>
+                                        <p:tav tm="100000">
+                                          <p:val>
+                                            <p:strVal val="#ppt_x"/>
+                                          </p:val>
+                                        </p:tav>
+                                      </p:tavLst>
+                                    </p:anim>
+                                    <p:anim calcmode="lin" valueType="num">
+                                      <p:cBhvr additive="base">
+                                        <p:cTn id="48" dur="500" fill="hold"/>
+                                        <p:tgtEl>
+                                          <p:spTgt spid="3">
+                                            <p:txEl>
+                                              <p:pRg st="7" end="7"/>
+                                            </p:txEl>
+                                          </p:spTgt>
+                                        </p:tgtEl>
+                                        <p:attrNameLst>
+                                          <p:attrName>ppt_y</p:attrName>
+                                        </p:attrNameLst>
+                                      </p:cBhvr>
+                                      <p:tavLst>
+                                        <p:tav tm="0">
+                                          <p:val>
+                                            <p:strVal val="1+#ppt_h/2"/>
+                                          </p:val>
+                                        </p:tav>
+                                        <p:tav tm="100000">
+                                          <p:val>
+                                            <p:strVal val="#ppt_y"/>
+                                          </p:val>
+                                        </p:tav>
+                                      </p:tavLst>
+                                    </p:anim>
+                                  </p:childTnLst>
+                                </p:cTn>
+                              </p:par>
+                              <p:par>
+                                <p:cTn id="49" presetID="2" presetClass="entr" presetSubtype="4" fill="hold" nodeType="withEffect">
+                                  <p:stCondLst>
+                                    <p:cond delay="0"/>
+                                  </p:stCondLst>
+                                  <p:childTnLst>
+                                    <p:set>
+                                      <p:cBhvr>
+                                        <p:cTn id="50" dur="1" fill="hold">
+                                          <p:stCondLst>
+                                            <p:cond delay="0"/>
+                                          </p:stCondLst>
+                                        </p:cTn>
+                                        <p:tgtEl>
+                                          <p:spTgt spid="3">
+                                            <p:txEl>
+                                              <p:pRg st="8" end="8"/>
+                                            </p:txEl>
+                                          </p:spTgt>
+                                        </p:tgtEl>
+                                        <p:attrNameLst>
+                                          <p:attrName>style.visibility</p:attrName>
+                                        </p:attrNameLst>
+                                      </p:cBhvr>
+                                      <p:to>
+                                        <p:strVal val="visible"/>
+                                      </p:to>
+                                    </p:set>
+                                    <p:anim calcmode="lin" valueType="num">
+                                      <p:cBhvr additive="base">
+                                        <p:cTn id="51" dur="500" fill="hold"/>
+                                        <p:tgtEl>
+                                          <p:spTgt spid="3">
+                                            <p:txEl>
+                                              <p:pRg st="8" end="8"/>
+                                            </p:txEl>
+                                          </p:spTgt>
+                                        </p:tgtEl>
+                                        <p:attrNameLst>
+                                          <p:attrName>ppt_x</p:attrName>
+                                        </p:attrNameLst>
+                                      </p:cBhvr>
+                                      <p:tavLst>
+                                        <p:tav tm="0">
+                                          <p:val>
+                                            <p:strVal val="#ppt_x"/>
+                                          </p:val>
+                                        </p:tav>
+                                        <p:tav tm="100000">
+                                          <p:val>
+                                            <p:strVal val="#ppt_x"/>
+                                          </p:val>
+                                        </p:tav>
+                                      </p:tavLst>
+                                    </p:anim>
+                                    <p:anim calcmode="lin" valueType="num">
+                                      <p:cBhvr additive="base">
+                                        <p:cTn id="52" dur="500" fill="hold"/>
+                                        <p:tgtEl>
+                                          <p:spTgt spid="3">
+                                            <p:txEl>
+                                              <p:pRg st="8" end="8"/>
+                                            </p:txEl>
+                                          </p:spTgt>
+                                        </p:tgtEl>
+                                        <p:attrNameLst>
+                                          <p:attrName>ppt_y</p:attrName>
+                                        </p:attrNameLst>
+                                      </p:cBhvr>
+                                      <p:tavLst>
+                                        <p:tav tm="0">
+                                          <p:val>
+                                            <p:strVal val="1+#ppt_h/2"/>
+                                          </p:val>
+                                        </p:tav>
+                                        <p:tav tm="100000">
+                                          <p:val>
+                                            <p:strVal val="#ppt_y"/>
+                                          </p:val>
+                                        </p:tav>
+                                      </p:tavLst>
+                                    </p:anim>
+                                  </p:childTnLst>
+                                </p:cTn>
+                              </p:par>
+                              <p:par>
+                                <p:cTn id="53" presetID="2" presetClass="entr" presetSubtype="4" fill="hold" nodeType="withEffect">
+                                  <p:stCondLst>
+                                    <p:cond delay="0"/>
+                                  </p:stCondLst>
+                                  <p:childTnLst>
+                                    <p:set>
+                                      <p:cBhvr>
+                                        <p:cTn id="54" dur="1" fill="hold">
+                                          <p:stCondLst>
+                                            <p:cond delay="0"/>
+                                          </p:stCondLst>
+                                        </p:cTn>
+                                        <p:tgtEl>
+                                          <p:spTgt spid="3">
+                                            <p:txEl>
+                                              <p:pRg st="9" end="9"/>
+                                            </p:txEl>
+                                          </p:spTgt>
+                                        </p:tgtEl>
+                                        <p:attrNameLst>
+                                          <p:attrName>style.visibility</p:attrName>
+                                        </p:attrNameLst>
+                                      </p:cBhvr>
+                                      <p:to>
+                                        <p:strVal val="visible"/>
+                                      </p:to>
+                                    </p:set>
+                                    <p:anim calcmode="lin" valueType="num">
+                                      <p:cBhvr additive="base">
+                                        <p:cTn id="55" dur="500" fill="hold"/>
+                                        <p:tgtEl>
+                                          <p:spTgt spid="3">
+                                            <p:txEl>
+                                              <p:pRg st="9" end="9"/>
+                                            </p:txEl>
+                                          </p:spTgt>
+                                        </p:tgtEl>
+                                        <p:attrNameLst>
+                                          <p:attrName>ppt_x</p:attrName>
+                                        </p:attrNameLst>
+                                      </p:cBhvr>
+                                      <p:tavLst>
+                                        <p:tav tm="0">
+                                          <p:val>
+                                            <p:strVal val="#ppt_x"/>
+                                          </p:val>
+                                        </p:tav>
+                                        <p:tav tm="100000">
+                                          <p:val>
+                                            <p:strVal val="#ppt_x"/>
+                                          </p:val>
+                                        </p:tav>
+                                      </p:tavLst>
+                                    </p:anim>
+                                    <p:anim calcmode="lin" valueType="num">
+                                      <p:cBhvr additive="base">
+                                        <p:cTn id="56" dur="500" fill="hold"/>
+                                        <p:tgtEl>
+                                          <p:spTgt spid="3">
+                                            <p:txEl>
+                                              <p:pRg st="9" end="9"/>
+                                            </p:txEl>
+                                          </p:spTgt>
+                                        </p:tgtEl>
+                                        <p:attrNameLst>
+                                          <p:attrName>ppt_y</p:attrName>
+                                        </p:attrNameLst>
+                                      </p:cBhvr>
+                                      <p:tavLst>
+                                        <p:tav tm="0">
+                                          <p:val>
+                                            <p:strVal val="1+#ppt_h/2"/>
+                                          </p:val>
+                                        </p:tav>
+                                        <p:tav tm="100000">
+                                          <p:val>
+                                            <p:strVal val="#ppt_y"/>
+                                          </p:val>
+                                        </p:tav>
+                                      </p:tavLst>
+                                    </p:anim>
+                                  </p:childTnLst>
+                                </p:cTn>
+                              </p:par>
+                            </p:childTnLst>
+                          </p:cTn>
+                        </p:par>
+                      </p:childTnLst>
+                    </p:cTn>
+                  </p:par>
+                </p:childTnLst>
+              </p:cTn>
+              <p:prevCondLst>
+                <p:cond evt="onPrev" delay="0">
+                  <p:tgtEl>
+                    <p:sldTgt/>
+                  </p:tgtEl>
+                </p:cond>
+              </p:prevCondLst>
+              <p:nextCondLst>
+                <p:cond evt="onNext" delay="0">
+                  <p:tgtEl>
+                    <p:sldTgt/>
+                  </p:tgtEl>
+                </p:cond>
+              </p:nextCondLst>
+            </p:seq>
+          </p:childTnLst>
+        </p:cTn>
+      </p:par>
+    </p:tnLst>
+  </p:timing>
 </p:sld>
 </file>
 
@@ -14741,6 +16057,82 @@
       </p:grpSpPr>
       <p:sp>
         <p:nvSpPr>
+          <p:cNvPr id="3" name="Content Placeholder 2">
+            <a:extLst>
+              <a:ext uri="{FF2B5EF4-FFF2-40B4-BE49-F238E27FC236}">
+                <a16:creationId xmlns:a16="http://schemas.microsoft.com/office/drawing/2014/main" id="{6C7F13ED-B066-4225-805E-0889FD78E024}"/>
+              </a:ext>
+            </a:extLst>
+          </p:cNvPr>
+          <p:cNvSpPr>
+            <a:spLocks noGrp="1"/>
+          </p:cNvSpPr>
+          <p:nvPr>
+            <p:ph idx="1"/>
+          </p:nvPr>
+        </p:nvSpPr>
+        <p:spPr/>
+        <p:txBody>
+          <a:bodyPr>
+            <a:normAutofit/>
+          </a:bodyPr>
+          <a:lstStyle/>
+          <a:p>
+            <a:pPr algn="ctr"/>
+            <a:endParaRPr lang="en-GB" sz="4800" dirty="0"/>
+          </a:p>
+          <a:p>
+            <a:pPr marL="0" indent="0" algn="ctr">
+              <a:buNone/>
+            </a:pPr>
+            <a:endParaRPr lang="en-GB" sz="4800" dirty="0"/>
+          </a:p>
+          <a:p>
+            <a:pPr marL="0" indent="0" algn="ctr">
+              <a:buNone/>
+            </a:pPr>
+            <a:r>
+              <a:rPr lang="en-GB" sz="4800" dirty="0"/>
+              <a:t>Any Questions?</a:t>
+            </a:r>
+          </a:p>
+        </p:txBody>
+      </p:sp>
+    </p:spTree>
+    <p:extLst>
+      <p:ext uri="{BB962C8B-B14F-4D97-AF65-F5344CB8AC3E}">
+        <p14:creationId xmlns:p14="http://schemas.microsoft.com/office/powerpoint/2010/main" val="520838748"/>
+      </p:ext>
+    </p:extLst>
+  </p:cSld>
+  <p:clrMapOvr>
+    <a:masterClrMapping/>
+  </p:clrMapOvr>
+  <p:transition spd="slow">
+    <p:push dir="u"/>
+  </p:transition>
+</p:sld>
+</file>
+
+<file path=ppt/slides/slide28.xml><?xml version="1.0" encoding="utf-8"?>
+<p:sld xmlns:a="http://schemas.openxmlformats.org/drawingml/2006/main" xmlns:r="http://schemas.openxmlformats.org/officeDocument/2006/relationships" xmlns:p="http://schemas.openxmlformats.org/presentationml/2006/main">
+  <p:cSld>
+    <p:spTree>
+      <p:nvGrpSpPr>
+        <p:cNvPr id="1" name=""/>
+        <p:cNvGrpSpPr/>
+        <p:nvPr/>
+      </p:nvGrpSpPr>
+      <p:grpSpPr>
+        <a:xfrm>
+          <a:off x="0" y="0"/>
+          <a:ext cx="0" cy="0"/>
+          <a:chOff x="0" y="0"/>
+          <a:chExt cx="0" cy="0"/>
+        </a:xfrm>
+      </p:grpSpPr>
+      <p:sp>
+        <p:nvSpPr>
           <p:cNvPr id="2" name="Title 1">
             <a:extLst>
               <a:ext uri="{FF2B5EF4-FFF2-40B4-BE49-F238E27FC236}">
@@ -14783,9 +16175,16 @@
             <p:ph idx="1"/>
           </p:nvPr>
         </p:nvSpPr>
-        <p:spPr/>
+        <p:spPr>
+          <a:xfrm>
+            <a:off x="822959" y="1845733"/>
+            <a:ext cx="7543801" cy="4394811"/>
+          </a:xfrm>
+        </p:spPr>
         <p:txBody>
-          <a:bodyPr/>
+          <a:bodyPr>
+            <a:normAutofit/>
+          </a:bodyPr>
           <a:lstStyle/>
           <a:p>
             <a:pPr marL="457200" indent="-457200">
@@ -14831,6 +16230,32 @@
             <a:r>
               <a:rPr lang="en-US" dirty="0"/>
               <a:t>B) What type of loop control structure is this program?</a:t>
+            </a:r>
+          </a:p>
+          <a:p>
+            <a:pPr marL="342900" indent="-342900">
+              <a:buFont typeface="+mj-lt"/>
+              <a:buAutoNum type="arabicPeriod"/>
+            </a:pPr>
+            <a:r>
+              <a:rPr lang="en-US" dirty="0"/>
+              <a:t> For each of the above two programs, draw the equivalent flowchart and paste the draw.io image and </a:t>
+            </a:r>
+            <a:r>
+              <a:rPr lang="en-US" dirty="0" err="1"/>
+              <a:t>url</a:t>
+            </a:r>
+            <a:r>
+              <a:rPr lang="en-US" dirty="0"/>
+              <a:t> to the </a:t>
+            </a:r>
+            <a:r>
+              <a:rPr lang="en-US" dirty="0" err="1"/>
+              <a:t>padlet</a:t>
+            </a:r>
+            <a:r>
+              <a:rPr lang="en-US" dirty="0"/>
+              <a:t> board</a:t>
             </a:r>
             <a:endParaRPr lang="en-GB" dirty="0"/>
           </a:p>
@@ -15233,6 +16658,109 @@
                       </p:childTnLst>
                     </p:cTn>
                   </p:par>
+                  <p:par>
+                    <p:cTn id="23" fill="hold">
+                      <p:stCondLst>
+                        <p:cond delay="indefinite"/>
+                      </p:stCondLst>
+                      <p:childTnLst>
+                        <p:par>
+                          <p:cTn id="24" fill="hold">
+                            <p:stCondLst>
+                              <p:cond delay="0"/>
+                            </p:stCondLst>
+                            <p:childTnLst>
+                              <p:par>
+                                <p:cTn id="25" presetID="2" presetClass="entr" presetSubtype="4" fill="hold" grpId="0" nodeType="clickEffect">
+                                  <p:stCondLst>
+                                    <p:cond delay="0"/>
+                                  </p:stCondLst>
+                                  <p:childTnLst>
+                                    <p:set>
+                                      <p:cBhvr>
+                                        <p:cTn id="26" dur="1" fill="hold">
+                                          <p:stCondLst>
+                                            <p:cond delay="0"/>
+                                          </p:stCondLst>
+                                        </p:cTn>
+                                        <p:tgtEl>
+                                          <p:spTgt spid="6">
+                                            <p:txEl>
+                                              <p:pRg st="4" end="4"/>
+                                            </p:txEl>
+                                          </p:spTgt>
+                                        </p:tgtEl>
+                                        <p:attrNameLst>
+                                          <p:attrName>style.visibility</p:attrName>
+                                        </p:attrNameLst>
+                                      </p:cBhvr>
+                                      <p:to>
+                                        <p:strVal val="visible"/>
+                                      </p:to>
+                                    </p:set>
+                                    <p:anim calcmode="lin" valueType="num">
+                                      <p:cBhvr additive="base">
+                                        <p:cTn id="27" dur="500" fill="hold"/>
+                                        <p:tgtEl>
+                                          <p:spTgt spid="6">
+                                            <p:txEl>
+                                              <p:pRg st="4" end="4"/>
+                                            </p:txEl>
+                                          </p:spTgt>
+                                        </p:tgtEl>
+                                        <p:attrNameLst>
+                                          <p:attrName>ppt_x</p:attrName>
+                                        </p:attrNameLst>
+                                      </p:cBhvr>
+                                      <p:tavLst>
+                                        <p:tav tm="0">
+                                          <p:val>
+                                            <p:strVal val="#ppt_x"/>
+                                          </p:val>
+                                        </p:tav>
+                                        <p:tav tm="100000">
+                                          <p:val>
+                                            <p:strVal val="#ppt_x"/>
+                                          </p:val>
+                                        </p:tav>
+                                      </p:tavLst>
+                                    </p:anim>
+                                    <p:anim calcmode="lin" valueType="num">
+                                      <p:cBhvr additive="base">
+                                        <p:cTn id="28" dur="500" fill="hold"/>
+                                        <p:tgtEl>
+                                          <p:spTgt spid="6">
+                                            <p:txEl>
+                                              <p:pRg st="4" end="4"/>
+                                            </p:txEl>
+                                          </p:spTgt>
+                                        </p:tgtEl>
+                                        <p:attrNameLst>
+                                          <p:attrName>ppt_y</p:attrName>
+                                        </p:attrNameLst>
+                                      </p:cBhvr>
+                                      <p:tavLst>
+                                        <p:tav tm="0">
+                                          <p:val>
+                                            <p:strVal val="1+#ppt_h/2"/>
+                                          </p:val>
+                                        </p:tav>
+                                        <p:tav tm="100000">
+                                          <p:val>
+                                            <p:strVal val="#ppt_y"/>
+                                          </p:val>
+                                        </p:tav>
+                                      </p:tavLst>
+                                    </p:anim>
+                                  </p:childTnLst>
+                                </p:cTn>
+                              </p:par>
+                            </p:childTnLst>
+                          </p:cTn>
+                        </p:par>
+                      </p:childTnLst>
+                    </p:cTn>
+                  </p:par>
                 </p:childTnLst>
               </p:cTn>
               <p:prevCondLst>
@@ -15261,7 +16789,7 @@
 </p:sld>
 </file>
 
-<file path=ppt/slides/slide28.xml><?xml version="1.0" encoding="utf-8"?>
+<file path=ppt/slides/slide29.xml><?xml version="1.0" encoding="utf-8"?>
 <p:sld xmlns:a="http://schemas.openxmlformats.org/drawingml/2006/main" xmlns:r="http://schemas.openxmlformats.org/officeDocument/2006/relationships" xmlns:p="http://schemas.openxmlformats.org/presentationml/2006/main">
   <p:cSld>
     <p:spTree>
@@ -15402,7 +16930,459 @@
 </p:sld>
 </file>
 
-<file path=ppt/slides/slide29.xml><?xml version="1.0" encoding="utf-8"?>
+<file path=ppt/slides/slide3.xml><?xml version="1.0" encoding="utf-8"?>
+<p:sld xmlns:a="http://schemas.openxmlformats.org/drawingml/2006/main" xmlns:r="http://schemas.openxmlformats.org/officeDocument/2006/relationships" xmlns:p="http://schemas.openxmlformats.org/presentationml/2006/main">
+  <p:cSld>
+    <p:spTree>
+      <p:nvGrpSpPr>
+        <p:cNvPr id="1" name=""/>
+        <p:cNvGrpSpPr/>
+        <p:nvPr/>
+      </p:nvGrpSpPr>
+      <p:grpSpPr>
+        <a:xfrm>
+          <a:off x="0" y="0"/>
+          <a:ext cx="0" cy="0"/>
+          <a:chOff x="0" y="0"/>
+          <a:chExt cx="0" cy="0"/>
+        </a:xfrm>
+      </p:grpSpPr>
+      <p:sp>
+        <p:nvSpPr>
+          <p:cNvPr id="2" name="Title 1">
+            <a:extLst>
+              <a:ext uri="{FF2B5EF4-FFF2-40B4-BE49-F238E27FC236}">
+                <a16:creationId xmlns:a16="http://schemas.microsoft.com/office/drawing/2014/main" id="{27E44846-EE23-4B7D-B117-6BD3695FB65C}"/>
+              </a:ext>
+            </a:extLst>
+          </p:cNvPr>
+          <p:cNvSpPr>
+            <a:spLocks noGrp="1"/>
+          </p:cNvSpPr>
+          <p:nvPr>
+            <p:ph type="title"/>
+          </p:nvPr>
+        </p:nvSpPr>
+        <p:spPr/>
+        <p:txBody>
+          <a:bodyPr/>
+          <a:lstStyle/>
+          <a:p>
+            <a:r>
+              <a:rPr lang="en-GB" dirty="0"/>
+              <a:t>Types of control Structures</a:t>
+            </a:r>
+          </a:p>
+        </p:txBody>
+      </p:sp>
+      <p:sp>
+        <p:nvSpPr>
+          <p:cNvPr id="3" name="Content Placeholder 2"/>
+          <p:cNvSpPr>
+            <a:spLocks noGrp="1"/>
+          </p:cNvSpPr>
+          <p:nvPr>
+            <p:ph idx="1"/>
+          </p:nvPr>
+        </p:nvSpPr>
+        <p:spPr/>
+        <p:txBody>
+          <a:bodyPr>
+            <a:normAutofit/>
+          </a:bodyPr>
+          <a:lstStyle/>
+          <a:p>
+            <a:pPr>
+              <a:buFont typeface="Wingdings" panose="05000000000000000000" pitchFamily="2" charset="2"/>
+              <a:buChar char="v"/>
+            </a:pPr>
+            <a:r>
+              <a:rPr lang="en-US" sz="3600" dirty="0"/>
+              <a:t>Sequential</a:t>
+            </a:r>
+          </a:p>
+          <a:p>
+            <a:pPr>
+              <a:buFont typeface="Wingdings" panose="05000000000000000000" pitchFamily="2" charset="2"/>
+              <a:buChar char="v"/>
+            </a:pPr>
+            <a:r>
+              <a:rPr lang="en-US" sz="3600" dirty="0"/>
+              <a:t>Selection (branch)</a:t>
+            </a:r>
+          </a:p>
+          <a:p>
+            <a:pPr>
+              <a:buFont typeface="Wingdings" panose="05000000000000000000" pitchFamily="2" charset="2"/>
+              <a:buChar char="v"/>
+            </a:pPr>
+            <a:r>
+              <a:rPr lang="en-US" sz="3600" dirty="0"/>
+              <a:t>Iteration (loop)</a:t>
+            </a:r>
+            <a:endParaRPr lang="en-GB" sz="3600" dirty="0"/>
+          </a:p>
+        </p:txBody>
+      </p:sp>
+    </p:spTree>
+    <p:extLst>
+      <p:ext uri="{BB962C8B-B14F-4D97-AF65-F5344CB8AC3E}">
+        <p14:creationId xmlns:p14="http://schemas.microsoft.com/office/powerpoint/2010/main" val="41702972"/>
+      </p:ext>
+    </p:extLst>
+  </p:cSld>
+  <p:clrMapOvr>
+    <a:masterClrMapping/>
+  </p:clrMapOvr>
+  <p:transition spd="slow">
+    <p:push dir="u"/>
+  </p:transition>
+  <p:timing>
+    <p:tnLst>
+      <p:par>
+        <p:cTn id="1" dur="indefinite" restart="never" nodeType="tmRoot">
+          <p:childTnLst>
+            <p:seq concurrent="1" nextAc="seek">
+              <p:cTn id="2" dur="indefinite" nodeType="mainSeq">
+                <p:childTnLst>
+                  <p:par>
+                    <p:cTn id="3" fill="hold">
+                      <p:stCondLst>
+                        <p:cond delay="indefinite"/>
+                      </p:stCondLst>
+                      <p:childTnLst>
+                        <p:par>
+                          <p:cTn id="4" fill="hold">
+                            <p:stCondLst>
+                              <p:cond delay="0"/>
+                            </p:stCondLst>
+                            <p:childTnLst>
+                              <p:par>
+                                <p:cTn id="5" presetID="2" presetClass="entr" presetSubtype="4" fill="hold" grpId="0" nodeType="clickEffect">
+                                  <p:stCondLst>
+                                    <p:cond delay="0"/>
+                                  </p:stCondLst>
+                                  <p:childTnLst>
+                                    <p:set>
+                                      <p:cBhvr>
+                                        <p:cTn id="6" dur="1" fill="hold">
+                                          <p:stCondLst>
+                                            <p:cond delay="0"/>
+                                          </p:stCondLst>
+                                        </p:cTn>
+                                        <p:tgtEl>
+                                          <p:spTgt spid="3">
+                                            <p:txEl>
+                                              <p:pRg st="0" end="0"/>
+                                            </p:txEl>
+                                          </p:spTgt>
+                                        </p:tgtEl>
+                                        <p:attrNameLst>
+                                          <p:attrName>style.visibility</p:attrName>
+                                        </p:attrNameLst>
+                                      </p:cBhvr>
+                                      <p:to>
+                                        <p:strVal val="visible"/>
+                                      </p:to>
+                                    </p:set>
+                                    <p:anim calcmode="lin" valueType="num">
+                                      <p:cBhvr additive="base">
+                                        <p:cTn id="7" dur="500" fill="hold"/>
+                                        <p:tgtEl>
+                                          <p:spTgt spid="3">
+                                            <p:txEl>
+                                              <p:pRg st="0" end="0"/>
+                                            </p:txEl>
+                                          </p:spTgt>
+                                        </p:tgtEl>
+                                        <p:attrNameLst>
+                                          <p:attrName>ppt_x</p:attrName>
+                                        </p:attrNameLst>
+                                      </p:cBhvr>
+                                      <p:tavLst>
+                                        <p:tav tm="0">
+                                          <p:val>
+                                            <p:strVal val="#ppt_x"/>
+                                          </p:val>
+                                        </p:tav>
+                                        <p:tav tm="100000">
+                                          <p:val>
+                                            <p:strVal val="#ppt_x"/>
+                                          </p:val>
+                                        </p:tav>
+                                      </p:tavLst>
+                                    </p:anim>
+                                    <p:anim calcmode="lin" valueType="num">
+                                      <p:cBhvr additive="base">
+                                        <p:cTn id="8" dur="500" fill="hold"/>
+                                        <p:tgtEl>
+                                          <p:spTgt spid="3">
+                                            <p:txEl>
+                                              <p:pRg st="0" end="0"/>
+                                            </p:txEl>
+                                          </p:spTgt>
+                                        </p:tgtEl>
+                                        <p:attrNameLst>
+                                          <p:attrName>ppt_y</p:attrName>
+                                        </p:attrNameLst>
+                                      </p:cBhvr>
+                                      <p:tavLst>
+                                        <p:tav tm="0">
+                                          <p:val>
+                                            <p:strVal val="1+#ppt_h/2"/>
+                                          </p:val>
+                                        </p:tav>
+                                        <p:tav tm="100000">
+                                          <p:val>
+                                            <p:strVal val="#ppt_y"/>
+                                          </p:val>
+                                        </p:tav>
+                                      </p:tavLst>
+                                    </p:anim>
+                                  </p:childTnLst>
+                                </p:cTn>
+                              </p:par>
+                            </p:childTnLst>
+                          </p:cTn>
+                        </p:par>
+                      </p:childTnLst>
+                    </p:cTn>
+                  </p:par>
+                  <p:par>
+                    <p:cTn id="9" fill="hold">
+                      <p:stCondLst>
+                        <p:cond delay="indefinite"/>
+                      </p:stCondLst>
+                      <p:childTnLst>
+                        <p:par>
+                          <p:cTn id="10" fill="hold">
+                            <p:stCondLst>
+                              <p:cond delay="0"/>
+                            </p:stCondLst>
+                            <p:childTnLst>
+                              <p:par>
+                                <p:cTn id="11" presetID="2" presetClass="entr" presetSubtype="4" fill="hold" grpId="0" nodeType="clickEffect">
+                                  <p:stCondLst>
+                                    <p:cond delay="0"/>
+                                  </p:stCondLst>
+                                  <p:childTnLst>
+                                    <p:set>
+                                      <p:cBhvr>
+                                        <p:cTn id="12" dur="1" fill="hold">
+                                          <p:stCondLst>
+                                            <p:cond delay="0"/>
+                                          </p:stCondLst>
+                                        </p:cTn>
+                                        <p:tgtEl>
+                                          <p:spTgt spid="3">
+                                            <p:txEl>
+                                              <p:pRg st="1" end="1"/>
+                                            </p:txEl>
+                                          </p:spTgt>
+                                        </p:tgtEl>
+                                        <p:attrNameLst>
+                                          <p:attrName>style.visibility</p:attrName>
+                                        </p:attrNameLst>
+                                      </p:cBhvr>
+                                      <p:to>
+                                        <p:strVal val="visible"/>
+                                      </p:to>
+                                    </p:set>
+                                    <p:anim calcmode="lin" valueType="num">
+                                      <p:cBhvr additive="base">
+                                        <p:cTn id="13" dur="500" fill="hold"/>
+                                        <p:tgtEl>
+                                          <p:spTgt spid="3">
+                                            <p:txEl>
+                                              <p:pRg st="1" end="1"/>
+                                            </p:txEl>
+                                          </p:spTgt>
+                                        </p:tgtEl>
+                                        <p:attrNameLst>
+                                          <p:attrName>ppt_x</p:attrName>
+                                        </p:attrNameLst>
+                                      </p:cBhvr>
+                                      <p:tavLst>
+                                        <p:tav tm="0">
+                                          <p:val>
+                                            <p:strVal val="#ppt_x"/>
+                                          </p:val>
+                                        </p:tav>
+                                        <p:tav tm="100000">
+                                          <p:val>
+                                            <p:strVal val="#ppt_x"/>
+                                          </p:val>
+                                        </p:tav>
+                                      </p:tavLst>
+                                    </p:anim>
+                                    <p:anim calcmode="lin" valueType="num">
+                                      <p:cBhvr additive="base">
+                                        <p:cTn id="14" dur="500" fill="hold"/>
+                                        <p:tgtEl>
+                                          <p:spTgt spid="3">
+                                            <p:txEl>
+                                              <p:pRg st="1" end="1"/>
+                                            </p:txEl>
+                                          </p:spTgt>
+                                        </p:tgtEl>
+                                        <p:attrNameLst>
+                                          <p:attrName>ppt_y</p:attrName>
+                                        </p:attrNameLst>
+                                      </p:cBhvr>
+                                      <p:tavLst>
+                                        <p:tav tm="0">
+                                          <p:val>
+                                            <p:strVal val="1+#ppt_h/2"/>
+                                          </p:val>
+                                        </p:tav>
+                                        <p:tav tm="100000">
+                                          <p:val>
+                                            <p:strVal val="#ppt_y"/>
+                                          </p:val>
+                                        </p:tav>
+                                      </p:tavLst>
+                                    </p:anim>
+                                  </p:childTnLst>
+                                </p:cTn>
+                              </p:par>
+                            </p:childTnLst>
+                          </p:cTn>
+                        </p:par>
+                      </p:childTnLst>
+                    </p:cTn>
+                  </p:par>
+                  <p:par>
+                    <p:cTn id="15" fill="hold">
+                      <p:stCondLst>
+                        <p:cond delay="indefinite"/>
+                      </p:stCondLst>
+                      <p:childTnLst>
+                        <p:par>
+                          <p:cTn id="16" fill="hold">
+                            <p:stCondLst>
+                              <p:cond delay="0"/>
+                            </p:stCondLst>
+                            <p:childTnLst>
+                              <p:par>
+                                <p:cTn id="17" presetID="2" presetClass="entr" presetSubtype="4" fill="hold" grpId="0" nodeType="clickEffect">
+                                  <p:stCondLst>
+                                    <p:cond delay="0"/>
+                                  </p:stCondLst>
+                                  <p:childTnLst>
+                                    <p:set>
+                                      <p:cBhvr>
+                                        <p:cTn id="18" dur="1" fill="hold">
+                                          <p:stCondLst>
+                                            <p:cond delay="0"/>
+                                          </p:stCondLst>
+                                        </p:cTn>
+                                        <p:tgtEl>
+                                          <p:spTgt spid="3">
+                                            <p:txEl>
+                                              <p:pRg st="2" end="2"/>
+                                            </p:txEl>
+                                          </p:spTgt>
+                                        </p:tgtEl>
+                                        <p:attrNameLst>
+                                          <p:attrName>style.visibility</p:attrName>
+                                        </p:attrNameLst>
+                                      </p:cBhvr>
+                                      <p:to>
+                                        <p:strVal val="visible"/>
+                                      </p:to>
+                                    </p:set>
+                                    <p:anim calcmode="lin" valueType="num">
+                                      <p:cBhvr additive="base">
+                                        <p:cTn id="19" dur="500" fill="hold"/>
+                                        <p:tgtEl>
+                                          <p:spTgt spid="3">
+                                            <p:txEl>
+                                              <p:pRg st="2" end="2"/>
+                                            </p:txEl>
+                                          </p:spTgt>
+                                        </p:tgtEl>
+                                        <p:attrNameLst>
+                                          <p:attrName>ppt_x</p:attrName>
+                                        </p:attrNameLst>
+                                      </p:cBhvr>
+                                      <p:tavLst>
+                                        <p:tav tm="0">
+                                          <p:val>
+                                            <p:strVal val="#ppt_x"/>
+                                          </p:val>
+                                        </p:tav>
+                                        <p:tav tm="100000">
+                                          <p:val>
+                                            <p:strVal val="#ppt_x"/>
+                                          </p:val>
+                                        </p:tav>
+                                      </p:tavLst>
+                                    </p:anim>
+                                    <p:anim calcmode="lin" valueType="num">
+                                      <p:cBhvr additive="base">
+                                        <p:cTn id="20" dur="500" fill="hold"/>
+                                        <p:tgtEl>
+                                          <p:spTgt spid="3">
+                                            <p:txEl>
+                                              <p:pRg st="2" end="2"/>
+                                            </p:txEl>
+                                          </p:spTgt>
+                                        </p:tgtEl>
+                                        <p:attrNameLst>
+                                          <p:attrName>ppt_y</p:attrName>
+                                        </p:attrNameLst>
+                                      </p:cBhvr>
+                                      <p:tavLst>
+                                        <p:tav tm="0">
+                                          <p:val>
+                                            <p:strVal val="1+#ppt_h/2"/>
+                                          </p:val>
+                                        </p:tav>
+                                        <p:tav tm="100000">
+                                          <p:val>
+                                            <p:strVal val="#ppt_y"/>
+                                          </p:val>
+                                        </p:tav>
+                                      </p:tavLst>
+                                    </p:anim>
+                                  </p:childTnLst>
+                                </p:cTn>
+                              </p:par>
+                            </p:childTnLst>
+                          </p:cTn>
+                        </p:par>
+                      </p:childTnLst>
+                    </p:cTn>
+                  </p:par>
+                </p:childTnLst>
+              </p:cTn>
+              <p:prevCondLst>
+                <p:cond evt="onPrev" delay="0">
+                  <p:tgtEl>
+                    <p:sldTgt/>
+                  </p:tgtEl>
+                </p:cond>
+              </p:prevCondLst>
+              <p:nextCondLst>
+                <p:cond evt="onNext" delay="0">
+                  <p:tgtEl>
+                    <p:sldTgt/>
+                  </p:tgtEl>
+                </p:cond>
+              </p:nextCondLst>
+            </p:seq>
+          </p:childTnLst>
+        </p:cTn>
+      </p:par>
+    </p:tnLst>
+    <p:bldLst>
+      <p:bldP spid="3" grpId="0" build="p"/>
+    </p:bldLst>
+  </p:timing>
+</p:sld>
+</file>
+
+<file path=ppt/slides/slide30.xml><?xml version="1.0" encoding="utf-8"?>
 <p:sld xmlns:a="http://schemas.openxmlformats.org/drawingml/2006/main" xmlns:r="http://schemas.openxmlformats.org/officeDocument/2006/relationships" xmlns:p="http://schemas.openxmlformats.org/presentationml/2006/main">
   <p:cSld>
     <p:spTree>
@@ -15521,7 +17501,7 @@
         <p:spPr>
           <a:xfrm>
             <a:off x="822960" y="4499281"/>
-            <a:ext cx="7387786" cy="1680903"/>
+            <a:ext cx="7387786" cy="1873239"/>
           </a:xfrm>
           <a:prstGeom prst="rect">
             <a:avLst/>
@@ -15529,7 +17509,7 @@
         </p:spPr>
         <p:txBody>
           <a:bodyPr vert="horz" lIns="0" tIns="45720" rIns="0" bIns="45720" rtlCol="0">
-            <a:normAutofit lnSpcReduction="10000"/>
+            <a:normAutofit fontScale="92500" lnSpcReduction="20000"/>
           </a:bodyPr>
           <a:lstStyle>
             <a:lvl1pPr marL="91440" indent="-91440" algn="l" defTabSz="914400" rtl="0" eaLnBrk="1" latinLnBrk="0" hangingPunct="1">
@@ -15790,7 +17770,7 @@
               <a:rPr lang="en-GB" dirty="0">
                 <a:hlinkClick r:id="rId4"/>
               </a:rPr>
-              <a:t>https://docs.oracle.com/javase/tutorial/</a:t>
+              <a:t>The Java Tutorial</a:t>
             </a:r>
             <a:endParaRPr lang="en-GB" dirty="0"/>
           </a:p>
@@ -15807,7 +17787,7 @@
               <a:rPr lang="en-GB" dirty="0">
                 <a:hlinkClick r:id="rId5"/>
               </a:rPr>
-              <a:t>https://docs.oracle.com/javase/8/docs/api/</a:t>
+              <a:t>Java API documentation</a:t>
             </a:r>
             <a:endParaRPr lang="en-GB" dirty="0"/>
           </a:p>
@@ -15824,7 +17804,13 @@
               <a:rPr lang="en-GB" dirty="0">
                 <a:hlinkClick r:id="rId6"/>
               </a:rPr>
-              <a:t>Link to today’s Session  </a:t>
+              <a:t>Link to today’s </a:t>
+            </a:r>
+            <a:r>
+              <a:rPr lang="en-GB">
+                <a:hlinkClick r:id="rId6"/>
+              </a:rPr>
+              <a:t>Session screencast  </a:t>
             </a:r>
             <a:endParaRPr lang="en-GB" dirty="0"/>
           </a:p>
@@ -15835,24 +17821,31 @@
             </a:pPr>
             <a:r>
               <a:rPr lang="en-GB" dirty="0"/>
-              <a:t>  </a:t>
+              <a:t> </a:t>
             </a:r>
             <a:r>
               <a:rPr lang="en-GB" dirty="0">
                 <a:hlinkClick r:id="rId7"/>
               </a:rPr>
-              <a:t>Link to Group Padlet</a:t>
-            </a:r>
-            <a:r>
-              <a:rPr lang="en-GB" dirty="0"/>
-              <a:t> (submit your exercises here)</a:t>
-            </a:r>
+              <a:t>Link to John’s Group Padlet</a:t>
+            </a:r>
+            <a:endParaRPr lang="en-GB" dirty="0"/>
           </a:p>
           <a:p>
             <a:pPr>
               <a:buFont typeface="Wingdings" panose="05000000000000000000" pitchFamily="2" charset="2"/>
               <a:buChar char="v"/>
             </a:pPr>
+            <a:r>
+              <a:rPr lang="en-GB" dirty="0"/>
+              <a:t> </a:t>
+            </a:r>
+            <a:r>
+              <a:rPr lang="en-GB" dirty="0">
+                <a:hlinkClick r:id="rId8"/>
+              </a:rPr>
+              <a:t>Link to Kelly’s Group Padlet</a:t>
+            </a:r>
             <a:endParaRPr lang="en-GB" dirty="0"/>
           </a:p>
         </p:txBody>
@@ -15860,7 +17853,7 @@
       <p:pic>
         <p:nvPicPr>
           <p:cNvPr id="1028" name="Picture 4">
-            <a:hlinkClick r:id="rId8"/>
+            <a:hlinkClick r:id="rId9"/>
             <a:extLst>
               <a:ext uri="{FF2B5EF4-FFF2-40B4-BE49-F238E27FC236}">
                 <a16:creationId xmlns:a16="http://schemas.microsoft.com/office/drawing/2014/main" id="{2804B4FC-958E-40C2-BD69-0321299F6DA2}"/>
@@ -15875,7 +17868,7 @@
           </p:nvPr>
         </p:nvPicPr>
         <p:blipFill>
-          <a:blip r:embed="rId9">
+          <a:blip r:embed="rId10">
             <a:extLst>
               <a:ext uri="{28A0092B-C50C-407E-A947-70E740481C1C}">
                 <a14:useLocalDpi xmlns:a14="http://schemas.microsoft.com/office/drawing/2010/main" val="0"/>
@@ -16340,178 +18333,35 @@
                       </p:childTnLst>
                     </p:cTn>
                   </p:par>
-                </p:childTnLst>
-              </p:cTn>
-              <p:prevCondLst>
-                <p:cond evt="onPrev" delay="0">
-                  <p:tgtEl>
-                    <p:sldTgt/>
-                  </p:tgtEl>
-                </p:cond>
-              </p:prevCondLst>
-              <p:nextCondLst>
-                <p:cond evt="onNext" delay="0">
-                  <p:tgtEl>
-                    <p:sldTgt/>
-                  </p:tgtEl>
-                </p:cond>
-              </p:nextCondLst>
-            </p:seq>
-          </p:childTnLst>
-        </p:cTn>
-      </p:par>
-    </p:tnLst>
-    <p:bldLst>
-      <p:bldP spid="8" grpId="0" build="p"/>
-    </p:bldLst>
-  </p:timing>
-</p:sld>
-</file>
-
-<file path=ppt/slides/slide3.xml><?xml version="1.0" encoding="utf-8"?>
-<p:sld xmlns:a="http://schemas.openxmlformats.org/drawingml/2006/main" xmlns:r="http://schemas.openxmlformats.org/officeDocument/2006/relationships" xmlns:p="http://schemas.openxmlformats.org/presentationml/2006/main">
-  <p:cSld>
-    <p:spTree>
-      <p:nvGrpSpPr>
-        <p:cNvPr id="1" name=""/>
-        <p:cNvGrpSpPr/>
-        <p:nvPr/>
-      </p:nvGrpSpPr>
-      <p:grpSpPr>
-        <a:xfrm>
-          <a:off x="0" y="0"/>
-          <a:ext cx="0" cy="0"/>
-          <a:chOff x="0" y="0"/>
-          <a:chExt cx="0" cy="0"/>
-        </a:xfrm>
-      </p:grpSpPr>
-      <p:sp>
-        <p:nvSpPr>
-          <p:cNvPr id="2" name="Title 1">
-            <a:extLst>
-              <a:ext uri="{FF2B5EF4-FFF2-40B4-BE49-F238E27FC236}">
-                <a16:creationId xmlns:a16="http://schemas.microsoft.com/office/drawing/2014/main" id="{27E44846-EE23-4B7D-B117-6BD3695FB65C}"/>
-              </a:ext>
-            </a:extLst>
-          </p:cNvPr>
-          <p:cNvSpPr>
-            <a:spLocks noGrp="1"/>
-          </p:cNvSpPr>
-          <p:nvPr>
-            <p:ph type="title"/>
-          </p:nvPr>
-        </p:nvSpPr>
-        <p:spPr/>
-        <p:txBody>
-          <a:bodyPr/>
-          <a:lstStyle/>
-          <a:p>
-            <a:r>
-              <a:rPr lang="en-GB" dirty="0"/>
-              <a:t>Types of control Structures</a:t>
-            </a:r>
-          </a:p>
-        </p:txBody>
-      </p:sp>
-      <p:sp>
-        <p:nvSpPr>
-          <p:cNvPr id="3" name="Content Placeholder 2"/>
-          <p:cNvSpPr>
-            <a:spLocks noGrp="1"/>
-          </p:cNvSpPr>
-          <p:nvPr>
-            <p:ph idx="1"/>
-          </p:nvPr>
-        </p:nvSpPr>
-        <p:spPr/>
-        <p:txBody>
-          <a:bodyPr>
-            <a:normAutofit/>
-          </a:bodyPr>
-          <a:lstStyle/>
-          <a:p>
-            <a:pPr>
-              <a:buFont typeface="Wingdings" panose="05000000000000000000" pitchFamily="2" charset="2"/>
-              <a:buChar char="v"/>
-            </a:pPr>
-            <a:r>
-              <a:rPr lang="en-US" sz="3600" dirty="0"/>
-              <a:t>Sequential</a:t>
-            </a:r>
-          </a:p>
-          <a:p>
-            <a:pPr>
-              <a:buFont typeface="Wingdings" panose="05000000000000000000" pitchFamily="2" charset="2"/>
-              <a:buChar char="v"/>
-            </a:pPr>
-            <a:r>
-              <a:rPr lang="en-US" sz="3600" dirty="0"/>
-              <a:t>Selection (branch)</a:t>
-            </a:r>
-          </a:p>
-          <a:p>
-            <a:pPr>
-              <a:buFont typeface="Wingdings" panose="05000000000000000000" pitchFamily="2" charset="2"/>
-              <a:buChar char="v"/>
-            </a:pPr>
-            <a:r>
-              <a:rPr lang="en-US" sz="3600" dirty="0"/>
-              <a:t>Iteration (loop)</a:t>
-            </a:r>
-            <a:endParaRPr lang="en-GB" sz="3600" dirty="0"/>
-          </a:p>
-        </p:txBody>
-      </p:sp>
-    </p:spTree>
-    <p:extLst>
-      <p:ext uri="{BB962C8B-B14F-4D97-AF65-F5344CB8AC3E}">
-        <p14:creationId xmlns:p14="http://schemas.microsoft.com/office/powerpoint/2010/main" val="41702972"/>
-      </p:ext>
-    </p:extLst>
-  </p:cSld>
-  <p:clrMapOvr>
-    <a:masterClrMapping/>
-  </p:clrMapOvr>
-  <p:transition spd="slow">
-    <p:push dir="u"/>
-  </p:transition>
-  <p:timing>
-    <p:tnLst>
-      <p:par>
-        <p:cTn id="1" dur="indefinite" restart="never" nodeType="tmRoot">
-          <p:childTnLst>
-            <p:seq concurrent="1" nextAc="seek">
-              <p:cTn id="2" dur="indefinite" nodeType="mainSeq">
-                <p:childTnLst>
                   <p:par>
-                    <p:cTn id="3" fill="hold">
+                    <p:cTn id="27" fill="hold">
                       <p:stCondLst>
                         <p:cond delay="indefinite"/>
                       </p:stCondLst>
                       <p:childTnLst>
                         <p:par>
-                          <p:cTn id="4" fill="hold">
+                          <p:cTn id="28" fill="hold">
                             <p:stCondLst>
                               <p:cond delay="0"/>
                             </p:stCondLst>
                             <p:childTnLst>
                               <p:par>
-                                <p:cTn id="5" presetID="2" presetClass="entr" presetSubtype="4" fill="hold" grpId="0" nodeType="clickEffect">
+                                <p:cTn id="29" presetID="2" presetClass="entr" presetSubtype="4" fill="hold" grpId="0" nodeType="clickEffect">
                                   <p:stCondLst>
                                     <p:cond delay="0"/>
                                   </p:stCondLst>
                                   <p:childTnLst>
                                     <p:set>
                                       <p:cBhvr>
-                                        <p:cTn id="6" dur="1" fill="hold">
+                                        <p:cTn id="30" dur="1" fill="hold">
                                           <p:stCondLst>
                                             <p:cond delay="0"/>
                                           </p:stCondLst>
                                         </p:cTn>
                                         <p:tgtEl>
-                                          <p:spTgt spid="3">
+                                          <p:spTgt spid="8">
                                             <p:txEl>
-                                              <p:pRg st="0" end="0"/>
+                                              <p:pRg st="4" end="4"/>
                                             </p:txEl>
                                           </p:spTgt>
                                         </p:tgtEl>
@@ -16525,11 +18375,11 @@
                                     </p:set>
                                     <p:anim calcmode="lin" valueType="num">
                                       <p:cBhvr additive="base">
-                                        <p:cTn id="7" dur="500" fill="hold"/>
-                                        <p:tgtEl>
-                                          <p:spTgt spid="3">
+                                        <p:cTn id="31" dur="500" fill="hold"/>
+                                        <p:tgtEl>
+                                          <p:spTgt spid="8">
                                             <p:txEl>
-                                              <p:pRg st="0" end="0"/>
+                                              <p:pRg st="4" end="4"/>
                                             </p:txEl>
                                           </p:spTgt>
                                         </p:tgtEl>
@@ -16552,217 +18402,11 @@
                                     </p:anim>
                                     <p:anim calcmode="lin" valueType="num">
                                       <p:cBhvr additive="base">
-                                        <p:cTn id="8" dur="500" fill="hold"/>
-                                        <p:tgtEl>
-                                          <p:spTgt spid="3">
+                                        <p:cTn id="32" dur="500" fill="hold"/>
+                                        <p:tgtEl>
+                                          <p:spTgt spid="8">
                                             <p:txEl>
-                                              <p:pRg st="0" end="0"/>
-                                            </p:txEl>
-                                          </p:spTgt>
-                                        </p:tgtEl>
-                                        <p:attrNameLst>
-                                          <p:attrName>ppt_y</p:attrName>
-                                        </p:attrNameLst>
-                                      </p:cBhvr>
-                                      <p:tavLst>
-                                        <p:tav tm="0">
-                                          <p:val>
-                                            <p:strVal val="1+#ppt_h/2"/>
-                                          </p:val>
-                                        </p:tav>
-                                        <p:tav tm="100000">
-                                          <p:val>
-                                            <p:strVal val="#ppt_y"/>
-                                          </p:val>
-                                        </p:tav>
-                                      </p:tavLst>
-                                    </p:anim>
-                                  </p:childTnLst>
-                                </p:cTn>
-                              </p:par>
-                            </p:childTnLst>
-                          </p:cTn>
-                        </p:par>
-                      </p:childTnLst>
-                    </p:cTn>
-                  </p:par>
-                  <p:par>
-                    <p:cTn id="9" fill="hold">
-                      <p:stCondLst>
-                        <p:cond delay="indefinite"/>
-                      </p:stCondLst>
-                      <p:childTnLst>
-                        <p:par>
-                          <p:cTn id="10" fill="hold">
-                            <p:stCondLst>
-                              <p:cond delay="0"/>
-                            </p:stCondLst>
-                            <p:childTnLst>
-                              <p:par>
-                                <p:cTn id="11" presetID="2" presetClass="entr" presetSubtype="4" fill="hold" grpId="0" nodeType="clickEffect">
-                                  <p:stCondLst>
-                                    <p:cond delay="0"/>
-                                  </p:stCondLst>
-                                  <p:childTnLst>
-                                    <p:set>
-                                      <p:cBhvr>
-                                        <p:cTn id="12" dur="1" fill="hold">
-                                          <p:stCondLst>
-                                            <p:cond delay="0"/>
-                                          </p:stCondLst>
-                                        </p:cTn>
-                                        <p:tgtEl>
-                                          <p:spTgt spid="3">
-                                            <p:txEl>
-                                              <p:pRg st="1" end="1"/>
-                                            </p:txEl>
-                                          </p:spTgt>
-                                        </p:tgtEl>
-                                        <p:attrNameLst>
-                                          <p:attrName>style.visibility</p:attrName>
-                                        </p:attrNameLst>
-                                      </p:cBhvr>
-                                      <p:to>
-                                        <p:strVal val="visible"/>
-                                      </p:to>
-                                    </p:set>
-                                    <p:anim calcmode="lin" valueType="num">
-                                      <p:cBhvr additive="base">
-                                        <p:cTn id="13" dur="500" fill="hold"/>
-                                        <p:tgtEl>
-                                          <p:spTgt spid="3">
-                                            <p:txEl>
-                                              <p:pRg st="1" end="1"/>
-                                            </p:txEl>
-                                          </p:spTgt>
-                                        </p:tgtEl>
-                                        <p:attrNameLst>
-                                          <p:attrName>ppt_x</p:attrName>
-                                        </p:attrNameLst>
-                                      </p:cBhvr>
-                                      <p:tavLst>
-                                        <p:tav tm="0">
-                                          <p:val>
-                                            <p:strVal val="#ppt_x"/>
-                                          </p:val>
-                                        </p:tav>
-                                        <p:tav tm="100000">
-                                          <p:val>
-                                            <p:strVal val="#ppt_x"/>
-                                          </p:val>
-                                        </p:tav>
-                                      </p:tavLst>
-                                    </p:anim>
-                                    <p:anim calcmode="lin" valueType="num">
-                                      <p:cBhvr additive="base">
-                                        <p:cTn id="14" dur="500" fill="hold"/>
-                                        <p:tgtEl>
-                                          <p:spTgt spid="3">
-                                            <p:txEl>
-                                              <p:pRg st="1" end="1"/>
-                                            </p:txEl>
-                                          </p:spTgt>
-                                        </p:tgtEl>
-                                        <p:attrNameLst>
-                                          <p:attrName>ppt_y</p:attrName>
-                                        </p:attrNameLst>
-                                      </p:cBhvr>
-                                      <p:tavLst>
-                                        <p:tav tm="0">
-                                          <p:val>
-                                            <p:strVal val="1+#ppt_h/2"/>
-                                          </p:val>
-                                        </p:tav>
-                                        <p:tav tm="100000">
-                                          <p:val>
-                                            <p:strVal val="#ppt_y"/>
-                                          </p:val>
-                                        </p:tav>
-                                      </p:tavLst>
-                                    </p:anim>
-                                  </p:childTnLst>
-                                </p:cTn>
-                              </p:par>
-                            </p:childTnLst>
-                          </p:cTn>
-                        </p:par>
-                      </p:childTnLst>
-                    </p:cTn>
-                  </p:par>
-                  <p:par>
-                    <p:cTn id="15" fill="hold">
-                      <p:stCondLst>
-                        <p:cond delay="indefinite"/>
-                      </p:stCondLst>
-                      <p:childTnLst>
-                        <p:par>
-                          <p:cTn id="16" fill="hold">
-                            <p:stCondLst>
-                              <p:cond delay="0"/>
-                            </p:stCondLst>
-                            <p:childTnLst>
-                              <p:par>
-                                <p:cTn id="17" presetID="2" presetClass="entr" presetSubtype="4" fill="hold" grpId="0" nodeType="clickEffect">
-                                  <p:stCondLst>
-                                    <p:cond delay="0"/>
-                                  </p:stCondLst>
-                                  <p:childTnLst>
-                                    <p:set>
-                                      <p:cBhvr>
-                                        <p:cTn id="18" dur="1" fill="hold">
-                                          <p:stCondLst>
-                                            <p:cond delay="0"/>
-                                          </p:stCondLst>
-                                        </p:cTn>
-                                        <p:tgtEl>
-                                          <p:spTgt spid="3">
-                                            <p:txEl>
-                                              <p:pRg st="2" end="2"/>
-                                            </p:txEl>
-                                          </p:spTgt>
-                                        </p:tgtEl>
-                                        <p:attrNameLst>
-                                          <p:attrName>style.visibility</p:attrName>
-                                        </p:attrNameLst>
-                                      </p:cBhvr>
-                                      <p:to>
-                                        <p:strVal val="visible"/>
-                                      </p:to>
-                                    </p:set>
-                                    <p:anim calcmode="lin" valueType="num">
-                                      <p:cBhvr additive="base">
-                                        <p:cTn id="19" dur="500" fill="hold"/>
-                                        <p:tgtEl>
-                                          <p:spTgt spid="3">
-                                            <p:txEl>
-                                              <p:pRg st="2" end="2"/>
-                                            </p:txEl>
-                                          </p:spTgt>
-                                        </p:tgtEl>
-                                        <p:attrNameLst>
-                                          <p:attrName>ppt_x</p:attrName>
-                                        </p:attrNameLst>
-                                      </p:cBhvr>
-                                      <p:tavLst>
-                                        <p:tav tm="0">
-                                          <p:val>
-                                            <p:strVal val="#ppt_x"/>
-                                          </p:val>
-                                        </p:tav>
-                                        <p:tav tm="100000">
-                                          <p:val>
-                                            <p:strVal val="#ppt_x"/>
-                                          </p:val>
-                                        </p:tav>
-                                      </p:tavLst>
-                                    </p:anim>
-                                    <p:anim calcmode="lin" valueType="num">
-                                      <p:cBhvr additive="base">
-                                        <p:cTn id="20" dur="500" fill="hold"/>
-                                        <p:tgtEl>
-                                          <p:spTgt spid="3">
-                                            <p:txEl>
-                                              <p:pRg st="2" end="2"/>
+                                              <p:pRg st="4" end="4"/>
                                             </p:txEl>
                                           </p:spTgt>
                                         </p:tgtEl>
@@ -16814,7 +18458,7 @@
       </p:par>
     </p:tnLst>
     <p:bldLst>
-      <p:bldP spid="3" grpId="0" build="p"/>
+      <p:bldP spid="8" grpId="0" build="p"/>
     </p:bldLst>
   </p:timing>
 </p:sld>
@@ -20859,18 +22503,18 @@
 </file>
 
 <file path=customXml/item2.xml><?xml version="1.0" encoding="utf-8"?>
-<p:properties xmlns:p="http://schemas.microsoft.com/office/2006/metadata/properties" xmlns:xsi="http://www.w3.org/2001/XMLSchema-instance" xmlns:pc="http://schemas.microsoft.com/office/infopath/2007/PartnerControls">
-  <documentManagement/>
-</p:properties>
-</file>
-
-<file path=customXml/item3.xml><?xml version="1.0" encoding="utf-8"?>
 <?mso-contentType ?>
 <FormTemplates xmlns="http://schemas.microsoft.com/sharepoint/v3/contenttype/forms">
   <Display>DocumentLibraryForm</Display>
   <Edit>DocumentLibraryForm</Edit>
   <New>DocumentLibraryForm</New>
 </FormTemplates>
+</file>
+
+<file path=customXml/item3.xml><?xml version="1.0" encoding="utf-8"?>
+<p:properties xmlns:p="http://schemas.microsoft.com/office/2006/metadata/properties" xmlns:xsi="http://www.w3.org/2001/XMLSchema-instance" xmlns:pc="http://schemas.microsoft.com/office/infopath/2007/PartnerControls">
+  <documentManagement/>
+</p:properties>
 </file>
 
 <file path=customXml/itemProps1.xml><?xml version="1.0" encoding="utf-8"?>
@@ -20893,26 +22537,26 @@
 </file>
 
 <file path=customXml/itemProps2.xml><?xml version="1.0" encoding="utf-8"?>
-<ds:datastoreItem xmlns:ds="http://schemas.openxmlformats.org/officeDocument/2006/customXml" ds:itemID="{1B174DBE-1AD7-495B-B168-212A7EE723A6}">
+<ds:datastoreItem xmlns:ds="http://schemas.openxmlformats.org/officeDocument/2006/customXml" ds:itemID="{07A05CC1-FF68-453F-AE9C-352B80151440}">
   <ds:schemaRefs>
-    <ds:schemaRef ds:uri="cab83b3b-4db3-4a13-8dd4-e60be6d87cf5"/>
-    <ds:schemaRef ds:uri="http://purl.org/dc/dcmitype/"/>
-    <ds:schemaRef ds:uri="http://purl.org/dc/elements/1.1/"/>
-    <ds:schemaRef ds:uri="http://www.w3.org/XML/1998/namespace"/>
-    <ds:schemaRef ds:uri="http://schemas.microsoft.com/office/2006/documentManagement/types"/>
-    <ds:schemaRef ds:uri="http://schemas.microsoft.com/office/2006/metadata/properties"/>
-    <ds:schemaRef ds:uri="http://purl.org/dc/terms/"/>
-    <ds:schemaRef ds:uri="http://schemas.microsoft.com/office/infopath/2007/PartnerControls"/>
-    <ds:schemaRef ds:uri="http://schemas.openxmlformats.org/package/2006/metadata/core-properties"/>
-    <ds:schemaRef ds:uri="c2e86655-d7ed-4420-bc92-1b9547829f54"/>
+    <ds:schemaRef ds:uri="http://schemas.microsoft.com/sharepoint/v3/contenttype/forms"/>
   </ds:schemaRefs>
 </ds:datastoreItem>
 </file>
 
 <file path=customXml/itemProps3.xml><?xml version="1.0" encoding="utf-8"?>
-<ds:datastoreItem xmlns:ds="http://schemas.openxmlformats.org/officeDocument/2006/customXml" ds:itemID="{07A05CC1-FF68-453F-AE9C-352B80151440}">
+<ds:datastoreItem xmlns:ds="http://schemas.openxmlformats.org/officeDocument/2006/customXml" ds:itemID="{1B174DBE-1AD7-495B-B168-212A7EE723A6}">
   <ds:schemaRefs>
-    <ds:schemaRef ds:uri="http://schemas.microsoft.com/sharepoint/v3/contenttype/forms"/>
+    <ds:schemaRef ds:uri="http://schemas.microsoft.com/office/2006/documentManagement/types"/>
+    <ds:schemaRef ds:uri="http://purl.org/dc/elements/1.1/"/>
+    <ds:schemaRef ds:uri="http://www.w3.org/XML/1998/namespace"/>
+    <ds:schemaRef ds:uri="http://schemas.microsoft.com/office/2006/metadata/properties"/>
+    <ds:schemaRef ds:uri="http://schemas.microsoft.com/office/infopath/2007/PartnerControls"/>
+    <ds:schemaRef ds:uri="http://purl.org/dc/terms/"/>
+    <ds:schemaRef ds:uri="http://purl.org/dc/dcmitype/"/>
+    <ds:schemaRef ds:uri="cab83b3b-4db3-4a13-8dd4-e60be6d87cf5"/>
+    <ds:schemaRef ds:uri="http://schemas.openxmlformats.org/package/2006/metadata/core-properties"/>
+    <ds:schemaRef ds:uri="c2e86655-d7ed-4420-bc92-1b9547829f54"/>
   </ds:schemaRefs>
 </ds:datastoreItem>
 </file>